--- a/宣道詩/(宣道詩220)歌頌主愛.pptx
+++ b/宣道詩/(宣道詩220)歌頌主愛.pptx
@@ -109,6 +109,11 @@
       </a:defRPr>
     </a:lvl9pPr>
   </p:defaultTextStyle>
+  <p:extLst>
+    <p:ext uri="{EFAFB233-063F-42B5-8137-9DF3F51BA10A}">
+      <p15:sldGuideLst xmlns:p15="http://schemas.microsoft.com/office/powerpoint/2012/main"/>
+    </p:ext>
+  </p:extLst>
 </p:presentation>
 </file>
 
@@ -293,7 +298,7 @@
           <a:p>
             <a:fld id="{EF25A5E1-1D10-4127-A5A0-21255847F1DE}" type="datetimeFigureOut">
               <a:rPr lang="vi-VN" smtClean="0"/>
-              <a:t>30/05/2020</a:t>
+              <a:t>25/09/2020</a:t>
             </a:fld>
             <a:endParaRPr lang="vi-VN"/>
           </a:p>
@@ -463,7 +468,7 @@
           <a:p>
             <a:fld id="{EF25A5E1-1D10-4127-A5A0-21255847F1DE}" type="datetimeFigureOut">
               <a:rPr lang="vi-VN" smtClean="0"/>
-              <a:t>30/05/2020</a:t>
+              <a:t>25/09/2020</a:t>
             </a:fld>
             <a:endParaRPr lang="vi-VN"/>
           </a:p>
@@ -643,7 +648,7 @@
           <a:p>
             <a:fld id="{EF25A5E1-1D10-4127-A5A0-21255847F1DE}" type="datetimeFigureOut">
               <a:rPr lang="vi-VN" smtClean="0"/>
-              <a:t>30/05/2020</a:t>
+              <a:t>25/09/2020</a:t>
             </a:fld>
             <a:endParaRPr lang="vi-VN"/>
           </a:p>
@@ -813,7 +818,7 @@
           <a:p>
             <a:fld id="{EF25A5E1-1D10-4127-A5A0-21255847F1DE}" type="datetimeFigureOut">
               <a:rPr lang="vi-VN" smtClean="0"/>
-              <a:t>30/05/2020</a:t>
+              <a:t>25/09/2020</a:t>
             </a:fld>
             <a:endParaRPr lang="vi-VN"/>
           </a:p>
@@ -1059,7 +1064,7 @@
           <a:p>
             <a:fld id="{EF25A5E1-1D10-4127-A5A0-21255847F1DE}" type="datetimeFigureOut">
               <a:rPr lang="vi-VN" smtClean="0"/>
-              <a:t>30/05/2020</a:t>
+              <a:t>25/09/2020</a:t>
             </a:fld>
             <a:endParaRPr lang="vi-VN"/>
           </a:p>
@@ -1347,7 +1352,7 @@
           <a:p>
             <a:fld id="{EF25A5E1-1D10-4127-A5A0-21255847F1DE}" type="datetimeFigureOut">
               <a:rPr lang="vi-VN" smtClean="0"/>
-              <a:t>30/05/2020</a:t>
+              <a:t>25/09/2020</a:t>
             </a:fld>
             <a:endParaRPr lang="vi-VN"/>
           </a:p>
@@ -1769,7 +1774,7 @@
           <a:p>
             <a:fld id="{EF25A5E1-1D10-4127-A5A0-21255847F1DE}" type="datetimeFigureOut">
               <a:rPr lang="vi-VN" smtClean="0"/>
-              <a:t>30/05/2020</a:t>
+              <a:t>25/09/2020</a:t>
             </a:fld>
             <a:endParaRPr lang="vi-VN"/>
           </a:p>
@@ -1887,7 +1892,7 @@
           <a:p>
             <a:fld id="{EF25A5E1-1D10-4127-A5A0-21255847F1DE}" type="datetimeFigureOut">
               <a:rPr lang="vi-VN" smtClean="0"/>
-              <a:t>30/05/2020</a:t>
+              <a:t>25/09/2020</a:t>
             </a:fld>
             <a:endParaRPr lang="vi-VN"/>
           </a:p>
@@ -1982,7 +1987,7 @@
           <a:p>
             <a:fld id="{EF25A5E1-1D10-4127-A5A0-21255847F1DE}" type="datetimeFigureOut">
               <a:rPr lang="vi-VN" smtClean="0"/>
-              <a:t>30/05/2020</a:t>
+              <a:t>25/09/2020</a:t>
             </a:fld>
             <a:endParaRPr lang="vi-VN"/>
           </a:p>
@@ -2259,7 +2264,7 @@
           <a:p>
             <a:fld id="{EF25A5E1-1D10-4127-A5A0-21255847F1DE}" type="datetimeFigureOut">
               <a:rPr lang="vi-VN" smtClean="0"/>
-              <a:t>30/05/2020</a:t>
+              <a:t>25/09/2020</a:t>
             </a:fld>
             <a:endParaRPr lang="vi-VN"/>
           </a:p>
@@ -2516,7 +2521,7 @@
           <a:p>
             <a:fld id="{EF25A5E1-1D10-4127-A5A0-21255847F1DE}" type="datetimeFigureOut">
               <a:rPr lang="vi-VN" smtClean="0"/>
-              <a:t>30/05/2020</a:t>
+              <a:t>25/09/2020</a:t>
             </a:fld>
             <a:endParaRPr lang="vi-VN"/>
           </a:p>
@@ -2734,7 +2739,7 @@
           <a:p>
             <a:fld id="{EF25A5E1-1D10-4127-A5A0-21255847F1DE}" type="datetimeFigureOut">
               <a:rPr lang="vi-VN" smtClean="0"/>
-              <a:t>30/05/2020</a:t>
+              <a:t>25/09/2020</a:t>
             </a:fld>
             <a:endParaRPr lang="vi-VN"/>
           </a:p>
@@ -3128,12 +3133,18 @@
           <a:p>
             <a:r>
               <a:rPr lang="zh-CN" altLang="en-US" sz="4800" b="1" dirty="0" smtClean="0">
+                <a:solidFill>
+                  <a:srgbClr val="002060"/>
+                </a:solidFill>
                 <a:latin typeface="Microsoft JhengHei" panose="020B0604030504040204" pitchFamily="34" charset="-120"/>
                 <a:ea typeface="Microsoft JhengHei" panose="020B0604030504040204" pitchFamily="34" charset="-120"/>
               </a:rPr>
               <a:t>歌頌主愛</a:t>
             </a:r>
             <a:endParaRPr lang="vi-VN" sz="4800" b="1" dirty="0">
+              <a:solidFill>
+                <a:srgbClr val="002060"/>
+              </a:solidFill>
               <a:ea typeface="Microsoft JhengHei" panose="020B0604030504040204" pitchFamily="34" charset="-120"/>
             </a:endParaRPr>
           </a:p>
@@ -3161,12 +3172,38 @@
             </a:pPr>
             <a:r>
               <a:rPr lang="zh-CN" altLang="en-US" sz="5400" b="1" dirty="0" smtClean="0">
+                <a:solidFill>
+                  <a:srgbClr val="002060"/>
+                </a:solidFill>
                 <a:latin typeface="Microsoft JhengHei" panose="020B0604030504040204" pitchFamily="34" charset="-120"/>
                 <a:ea typeface="Microsoft JhengHei" panose="020B0604030504040204" pitchFamily="34" charset="-120"/>
               </a:rPr>
-              <a:t>我要歌頌主大慈愛  口舌永說不盡</a:t>
+              <a:t>我</a:t>
+            </a:r>
+            <a:r>
+              <a:rPr lang="zh-CN" altLang="en-US" sz="5400" b="1" dirty="0" smtClean="0">
+                <a:solidFill>
+                  <a:srgbClr val="002060"/>
+                </a:solidFill>
+                <a:latin typeface="Microsoft JhengHei" panose="020B0604030504040204" pitchFamily="34" charset="-120"/>
+                <a:ea typeface="Microsoft JhengHei" panose="020B0604030504040204" pitchFamily="34" charset="-120"/>
+              </a:rPr>
+              <a:t>要頌</a:t>
+            </a:r>
+            <a:r>
+              <a:rPr lang="zh-CN" altLang="en-US" sz="5400" b="1" dirty="0" smtClean="0">
+                <a:solidFill>
+                  <a:srgbClr val="002060"/>
+                </a:solidFill>
+                <a:latin typeface="Microsoft JhengHei" panose="020B0604030504040204" pitchFamily="34" charset="-120"/>
+                <a:ea typeface="Microsoft JhengHei" panose="020B0604030504040204" pitchFamily="34" charset="-120"/>
+              </a:rPr>
+              <a:t>主大慈愛  口舌永說不盡</a:t>
             </a:r>
             <a:endParaRPr lang="en-US" altLang="zh-CN" sz="5400" b="1" dirty="0" smtClean="0">
+              <a:solidFill>
+                <a:srgbClr val="002060"/>
+              </a:solidFill>
               <a:latin typeface="Microsoft JhengHei" panose="020B0604030504040204" pitchFamily="34" charset="-120"/>
               <a:ea typeface="Microsoft JhengHei" panose="020B0604030504040204" pitchFamily="34" charset="-120"/>
             </a:endParaRPr>
@@ -3177,6 +3214,9 @@
             </a:pPr>
             <a:r>
               <a:rPr lang="zh-CN" altLang="en-US" sz="5400" b="1" dirty="0">
+                <a:solidFill>
+                  <a:srgbClr val="002060"/>
+                </a:solidFill>
                 <a:latin typeface="Microsoft JhengHei" panose="020B0604030504040204" pitchFamily="34" charset="-120"/>
                 <a:ea typeface="Microsoft JhengHei" panose="020B0604030504040204" pitchFamily="34" charset="-120"/>
               </a:rPr>
@@ -3184,12 +3224,18 @@
             </a:r>
             <a:r>
               <a:rPr lang="zh-CN" altLang="en-US" sz="5400" b="1" dirty="0" smtClean="0">
+                <a:solidFill>
+                  <a:srgbClr val="002060"/>
+                </a:solidFill>
                 <a:latin typeface="Microsoft JhengHei" panose="020B0604030504040204" pitchFamily="34" charset="-120"/>
                 <a:ea typeface="Microsoft JhengHei" panose="020B0604030504040204" pitchFamily="34" charset="-120"/>
               </a:rPr>
               <a:t>我重刑  流血贖我罪身</a:t>
             </a:r>
             <a:endParaRPr lang="en-US" altLang="zh-CN" sz="5400" b="1" dirty="0" smtClean="0">
+              <a:solidFill>
+                <a:srgbClr val="002060"/>
+              </a:solidFill>
               <a:latin typeface="Microsoft JhengHei" panose="020B0604030504040204" pitchFamily="34" charset="-120"/>
               <a:ea typeface="Microsoft JhengHei" panose="020B0604030504040204" pitchFamily="34" charset="-120"/>
             </a:endParaRPr>
@@ -3200,6 +3246,9 @@
             </a:pPr>
             <a:r>
               <a:rPr lang="zh-CN" altLang="en-US" sz="5400" b="1" dirty="0">
+                <a:solidFill>
+                  <a:srgbClr val="002060"/>
+                </a:solidFill>
                 <a:latin typeface="Microsoft JhengHei" panose="020B0604030504040204" pitchFamily="34" charset="-120"/>
                 <a:ea typeface="Microsoft JhengHei" panose="020B0604030504040204" pitchFamily="34" charset="-120"/>
               </a:rPr>
@@ -3207,12 +3256,18 @@
             </a:r>
             <a:r>
               <a:rPr lang="zh-CN" altLang="en-US" sz="5400" b="1" dirty="0" smtClean="0">
+                <a:solidFill>
+                  <a:srgbClr val="002060"/>
+                </a:solidFill>
                 <a:latin typeface="Microsoft JhengHei" panose="020B0604030504040204" pitchFamily="34" charset="-120"/>
                 <a:ea typeface="Microsoft JhengHei" panose="020B0604030504040204" pitchFamily="34" charset="-120"/>
               </a:rPr>
               <a:t>我污穢洗白淨  日與父神親近</a:t>
             </a:r>
             <a:endParaRPr lang="en-US" altLang="zh-CN" sz="5400" b="1" dirty="0" smtClean="0">
+              <a:solidFill>
+                <a:srgbClr val="002060"/>
+              </a:solidFill>
               <a:latin typeface="Microsoft JhengHei" panose="020B0604030504040204" pitchFamily="34" charset="-120"/>
               <a:ea typeface="Microsoft JhengHei" panose="020B0604030504040204" pitchFamily="34" charset="-120"/>
             </a:endParaRPr>
@@ -3223,6 +3278,9 @@
             </a:pPr>
             <a:r>
               <a:rPr lang="zh-CN" altLang="en-US" sz="5400" b="1" dirty="0">
+                <a:solidFill>
+                  <a:srgbClr val="002060"/>
+                </a:solidFill>
                 <a:latin typeface="Microsoft JhengHei" panose="020B0604030504040204" pitchFamily="34" charset="-120"/>
                 <a:ea typeface="Microsoft JhengHei" panose="020B0604030504040204" pitchFamily="34" charset="-120"/>
               </a:rPr>
@@ -3230,12 +3288,18 @@
             </a:r>
             <a:r>
               <a:rPr lang="zh-CN" altLang="en-US" sz="5400" b="1" dirty="0" smtClean="0">
+                <a:solidFill>
+                  <a:srgbClr val="002060"/>
+                </a:solidFill>
                 <a:latin typeface="Microsoft JhengHei" panose="020B0604030504040204" pitchFamily="34" charset="-120"/>
                 <a:ea typeface="Microsoft JhengHei" panose="020B0604030504040204" pitchFamily="34" charset="-120"/>
               </a:rPr>
               <a:t>裏  永遠滿足我心</a:t>
             </a:r>
             <a:endParaRPr lang="vi-VN" sz="5400" b="1" dirty="0">
+              <a:solidFill>
+                <a:srgbClr val="002060"/>
+              </a:solidFill>
               <a:ea typeface="Microsoft JhengHei" panose="020B0604030504040204" pitchFamily="34" charset="-120"/>
             </a:endParaRPr>
           </a:p>
@@ -3264,10 +3328,18 @@
           <a:lstStyle/>
           <a:p>
             <a:r>
-              <a:rPr lang="en-US" sz="4800" b="1" dirty="0" smtClean="0"/>
+              <a:rPr lang="en-US" sz="4800" b="1" dirty="0" smtClean="0">
+                <a:solidFill>
+                  <a:srgbClr val="002060"/>
+                </a:solidFill>
+              </a:rPr>
               <a:t>1.</a:t>
             </a:r>
-            <a:endParaRPr lang="vi-VN" sz="4800" b="1" dirty="0"/>
+            <a:endParaRPr lang="vi-VN" sz="4800" b="1" dirty="0">
+              <a:solidFill>
+                <a:srgbClr val="002060"/>
+              </a:solidFill>
+            </a:endParaRPr>
           </a:p>
         </p:txBody>
       </p:sp>
@@ -3320,12 +3392,18 @@
           <a:p>
             <a:r>
               <a:rPr lang="zh-CN" altLang="en-US" sz="4800" b="1" dirty="0" smtClean="0">
+                <a:solidFill>
+                  <a:srgbClr val="002060"/>
+                </a:solidFill>
                 <a:latin typeface="Microsoft JhengHei" panose="020B0604030504040204" pitchFamily="34" charset="-120"/>
                 <a:ea typeface="Microsoft JhengHei" panose="020B0604030504040204" pitchFamily="34" charset="-120"/>
               </a:rPr>
               <a:t>歌頌主愛</a:t>
             </a:r>
             <a:endParaRPr lang="vi-VN" sz="4800" b="1" dirty="0">
+              <a:solidFill>
+                <a:srgbClr val="002060"/>
+              </a:solidFill>
               <a:ea typeface="Microsoft JhengHei" panose="020B0604030504040204" pitchFamily="34" charset="-120"/>
             </a:endParaRPr>
           </a:p>
@@ -3353,11 +3431,17 @@
             </a:pPr>
             <a:r>
               <a:rPr lang="zh-CN" altLang="en-US" sz="5400" b="1" dirty="0" smtClean="0">
+                <a:solidFill>
+                  <a:srgbClr val="002060"/>
+                </a:solidFill>
                 <a:ea typeface="Microsoft JhengHei" panose="020B0604030504040204" pitchFamily="34" charset="-120"/>
               </a:rPr>
               <a:t>主的愛滿足我心 </a:t>
             </a:r>
             <a:endParaRPr lang="en-US" altLang="zh-CN" sz="5400" b="1" dirty="0" smtClean="0">
+              <a:solidFill>
+                <a:srgbClr val="002060"/>
+              </a:solidFill>
               <a:ea typeface="Microsoft JhengHei" panose="020B0604030504040204" pitchFamily="34" charset="-120"/>
             </a:endParaRPr>
           </a:p>
@@ -3367,23 +3451,35 @@
             </a:pPr>
             <a:r>
               <a:rPr lang="zh-CN" altLang="en-US" sz="5400" b="1" dirty="0" smtClean="0">
+                <a:solidFill>
+                  <a:srgbClr val="002060"/>
+                </a:solidFill>
                 <a:ea typeface="Microsoft JhengHei" panose="020B0604030504040204" pitchFamily="34" charset="-120"/>
               </a:rPr>
               <a:t>主的愛</a:t>
             </a:r>
             <a:r>
               <a:rPr lang="zh-CN" altLang="en-US" sz="5400" b="1" dirty="0">
+                <a:solidFill>
+                  <a:srgbClr val="002060"/>
+                </a:solidFill>
                 <a:ea typeface="Microsoft JhengHei" panose="020B0604030504040204" pitchFamily="34" charset="-120"/>
               </a:rPr>
               <a:t>滿足我</a:t>
             </a:r>
             <a:r>
               <a:rPr lang="zh-CN" altLang="en-US" sz="5400" b="1" dirty="0" smtClean="0">
+                <a:solidFill>
+                  <a:srgbClr val="002060"/>
+                </a:solidFill>
                 <a:ea typeface="Microsoft JhengHei" panose="020B0604030504040204" pitchFamily="34" charset="-120"/>
               </a:rPr>
               <a:t>心</a:t>
             </a:r>
             <a:endParaRPr lang="en-US" altLang="zh-CN" sz="5400" b="1" dirty="0" smtClean="0">
+              <a:solidFill>
+                <a:srgbClr val="002060"/>
+              </a:solidFill>
               <a:ea typeface="Microsoft JhengHei" panose="020B0604030504040204" pitchFamily="34" charset="-120"/>
             </a:endParaRPr>
           </a:p>
@@ -3393,17 +3489,26 @@
             </a:pPr>
             <a:r>
               <a:rPr lang="zh-CN" altLang="en-US" sz="5400" b="1" dirty="0">
+                <a:solidFill>
+                  <a:srgbClr val="002060"/>
+                </a:solidFill>
                 <a:ea typeface="Microsoft JhengHei" panose="020B0604030504040204" pitchFamily="34" charset="-120"/>
               </a:rPr>
               <a:t>何等長闊高</a:t>
             </a:r>
             <a:r>
               <a:rPr lang="zh-CN" altLang="en-US" sz="5400" b="1" dirty="0" smtClean="0">
+                <a:solidFill>
+                  <a:srgbClr val="002060"/>
+                </a:solidFill>
                 <a:ea typeface="Microsoft JhengHei" panose="020B0604030504040204" pitchFamily="34" charset="-120"/>
               </a:rPr>
               <a:t>深  令我稱頌歡欣</a:t>
             </a:r>
             <a:endParaRPr lang="en-US" altLang="zh-CN" sz="5400" b="1" dirty="0" smtClean="0">
+              <a:solidFill>
+                <a:srgbClr val="002060"/>
+              </a:solidFill>
               <a:ea typeface="Microsoft JhengHei" panose="020B0604030504040204" pitchFamily="34" charset="-120"/>
             </a:endParaRPr>
           </a:p>
@@ -3413,17 +3518,26 @@
             </a:pPr>
             <a:r>
               <a:rPr lang="zh-CN" altLang="en-US" sz="5400" b="1" dirty="0">
+                <a:solidFill>
+                  <a:srgbClr val="002060"/>
+                </a:solidFill>
                 <a:ea typeface="Microsoft JhengHei" panose="020B0604030504040204" pitchFamily="34" charset="-120"/>
               </a:rPr>
               <a:t>主的愛滿足我</a:t>
             </a:r>
             <a:r>
               <a:rPr lang="zh-CN" altLang="en-US" sz="5400" b="1" dirty="0" smtClean="0">
+                <a:solidFill>
+                  <a:srgbClr val="002060"/>
+                </a:solidFill>
                 <a:ea typeface="Microsoft JhengHei" panose="020B0604030504040204" pitchFamily="34" charset="-120"/>
               </a:rPr>
               <a:t>心</a:t>
             </a:r>
             <a:endParaRPr lang="en-US" altLang="zh-CN" sz="5400" b="1" dirty="0">
+              <a:solidFill>
+                <a:srgbClr val="002060"/>
+              </a:solidFill>
               <a:ea typeface="Microsoft JhengHei" panose="020B0604030504040204" pitchFamily="34" charset="-120"/>
             </a:endParaRPr>
           </a:p>
@@ -3452,10 +3566,18 @@
           <a:lstStyle/>
           <a:p>
             <a:r>
-              <a:rPr lang="en-US" sz="4800" b="1" dirty="0" smtClean="0"/>
+              <a:rPr lang="en-US" sz="4800" b="1" dirty="0" smtClean="0">
+                <a:solidFill>
+                  <a:srgbClr val="002060"/>
+                </a:solidFill>
+              </a:rPr>
               <a:t>1.</a:t>
             </a:r>
-            <a:endParaRPr lang="vi-VN" sz="4800" b="1" dirty="0"/>
+            <a:endParaRPr lang="vi-VN" sz="4800" b="1" dirty="0">
+              <a:solidFill>
+                <a:srgbClr val="002060"/>
+              </a:solidFill>
+            </a:endParaRPr>
           </a:p>
         </p:txBody>
       </p:sp>
@@ -3508,12 +3630,18 @@
           <a:p>
             <a:r>
               <a:rPr lang="zh-CN" altLang="en-US" sz="4800" b="1" dirty="0" smtClean="0">
+                <a:solidFill>
+                  <a:srgbClr val="002060"/>
+                </a:solidFill>
                 <a:latin typeface="Microsoft JhengHei" panose="020B0604030504040204" pitchFamily="34" charset="-120"/>
                 <a:ea typeface="Microsoft JhengHei" panose="020B0604030504040204" pitchFamily="34" charset="-120"/>
               </a:rPr>
               <a:t>歌頌主愛</a:t>
             </a:r>
             <a:endParaRPr lang="vi-VN" sz="4800" b="1" dirty="0">
+              <a:solidFill>
+                <a:srgbClr val="002060"/>
+              </a:solidFill>
               <a:ea typeface="Microsoft JhengHei" panose="020B0604030504040204" pitchFamily="34" charset="-120"/>
             </a:endParaRPr>
           </a:p>
@@ -3541,13 +3669,39 @@
             </a:pPr>
             <a:r>
               <a:rPr lang="zh-CN" altLang="en-US" sz="5400" b="1" dirty="0" smtClean="0">
+                <a:solidFill>
+                  <a:srgbClr val="002060"/>
+                </a:solidFill>
                 <a:latin typeface="Microsoft JhengHei" panose="020B0604030504040204" pitchFamily="34" charset="-120"/>
                 <a:ea typeface="Microsoft JhengHei" panose="020B0604030504040204" pitchFamily="34" charset="-120"/>
               </a:rPr>
-              <a:t>我要歌頌主大</a:t>
+              <a:t>我</a:t>
+            </a:r>
+            <a:r>
+              <a:rPr lang="zh-CN" altLang="en-US" sz="5400" b="1" dirty="0" smtClean="0">
+                <a:solidFill>
+                  <a:srgbClr val="002060"/>
+                </a:solidFill>
+                <a:latin typeface="Microsoft JhengHei" panose="020B0604030504040204" pitchFamily="34" charset="-120"/>
+                <a:ea typeface="Microsoft JhengHei" panose="020B0604030504040204" pitchFamily="34" charset="-120"/>
+              </a:rPr>
+              <a:t>要頌</a:t>
+            </a:r>
+            <a:r>
+              <a:rPr lang="zh-CN" altLang="en-US" sz="5400" b="1" dirty="0" smtClean="0">
+                <a:solidFill>
+                  <a:srgbClr val="002060"/>
+                </a:solidFill>
+                <a:latin typeface="Microsoft JhengHei" panose="020B0604030504040204" pitchFamily="34" charset="-120"/>
+                <a:ea typeface="Microsoft JhengHei" panose="020B0604030504040204" pitchFamily="34" charset="-120"/>
+              </a:rPr>
+              <a:t>主大</a:t>
             </a:r>
             <a:r>
               <a:rPr lang="zh-CN" altLang="en-US" sz="5400" b="1" dirty="0">
+                <a:solidFill>
+                  <a:srgbClr val="002060"/>
+                </a:solidFill>
                 <a:latin typeface="Microsoft JhengHei" panose="020B0604030504040204" pitchFamily="34" charset="-120"/>
                 <a:ea typeface="Microsoft JhengHei" panose="020B0604030504040204" pitchFamily="34" charset="-120"/>
               </a:rPr>
@@ -3555,12 +3709,18 @@
             </a:r>
             <a:r>
               <a:rPr lang="zh-CN" altLang="en-US" sz="5400" b="1" dirty="0" smtClean="0">
+                <a:solidFill>
+                  <a:srgbClr val="002060"/>
+                </a:solidFill>
                 <a:latin typeface="Microsoft JhengHei" panose="020B0604030504040204" pitchFamily="34" charset="-120"/>
                 <a:ea typeface="Microsoft JhengHei" panose="020B0604030504040204" pitchFamily="34" charset="-120"/>
               </a:rPr>
               <a:t>同歌吟</a:t>
             </a:r>
             <a:endParaRPr lang="en-US" altLang="zh-CN" sz="5400" b="1" dirty="0" smtClean="0">
+              <a:solidFill>
+                <a:srgbClr val="002060"/>
+              </a:solidFill>
               <a:latin typeface="Microsoft JhengHei" panose="020B0604030504040204" pitchFamily="34" charset="-120"/>
               <a:ea typeface="Microsoft JhengHei" panose="020B0604030504040204" pitchFamily="34" charset="-120"/>
             </a:endParaRPr>
@@ -3571,6 +3731,9 @@
             </a:pPr>
             <a:r>
               <a:rPr lang="zh-CN" altLang="en-US" sz="5400" b="1" dirty="0">
+                <a:solidFill>
+                  <a:srgbClr val="002060"/>
+                </a:solidFill>
                 <a:latin typeface="Microsoft JhengHei" panose="020B0604030504040204" pitchFamily="34" charset="-120"/>
                 <a:ea typeface="Microsoft JhengHei" panose="020B0604030504040204" pitchFamily="34" charset="-120"/>
               </a:rPr>
@@ -3578,12 +3741,18 @@
             </a:r>
             <a:r>
               <a:rPr lang="zh-CN" altLang="en-US" sz="5400" b="1" dirty="0" smtClean="0">
+                <a:solidFill>
+                  <a:srgbClr val="002060"/>
+                </a:solidFill>
                 <a:latin typeface="Microsoft JhengHei" panose="020B0604030504040204" pitchFamily="34" charset="-120"/>
                 <a:ea typeface="Microsoft JhengHei" panose="020B0604030504040204" pitchFamily="34" charset="-120"/>
               </a:rPr>
               <a:t>焚</a:t>
             </a:r>
             <a:endParaRPr lang="en-US" altLang="zh-CN" sz="5400" b="1" dirty="0" smtClean="0">
+              <a:solidFill>
+                <a:srgbClr val="002060"/>
+              </a:solidFill>
               <a:latin typeface="Microsoft JhengHei" panose="020B0604030504040204" pitchFamily="34" charset="-120"/>
               <a:ea typeface="Microsoft JhengHei" panose="020B0604030504040204" pitchFamily="34" charset="-120"/>
             </a:endParaRPr>
@@ -3594,6 +3763,9 @@
             </a:pPr>
             <a:r>
               <a:rPr lang="zh-CN" altLang="en-US" sz="5400" b="1" dirty="0">
+                <a:solidFill>
+                  <a:srgbClr val="002060"/>
+                </a:solidFill>
                 <a:latin typeface="Microsoft JhengHei" panose="020B0604030504040204" pitchFamily="34" charset="-120"/>
                 <a:ea typeface="Microsoft JhengHei" panose="020B0604030504040204" pitchFamily="34" charset="-120"/>
               </a:rPr>
@@ -3601,6 +3773,9 @@
             </a:r>
             <a:r>
               <a:rPr lang="zh-CN" altLang="en-US" sz="5400" b="1" dirty="0" smtClean="0">
+                <a:solidFill>
+                  <a:srgbClr val="002060"/>
+                </a:solidFill>
                 <a:latin typeface="Microsoft JhengHei" panose="020B0604030504040204" pitchFamily="34" charset="-120"/>
                 <a:ea typeface="Microsoft JhengHei" panose="020B0604030504040204" pitchFamily="34" charset="-120"/>
               </a:rPr>
@@ -3608,6 +3783,9 @@
             </a:r>
             <a:r>
               <a:rPr lang="en-US" altLang="zh-CN" sz="5400" b="1" dirty="0">
+                <a:solidFill>
+                  <a:srgbClr val="002060"/>
+                </a:solidFill>
                 <a:latin typeface="Microsoft JhengHei" panose="020B0604030504040204" pitchFamily="34" charset="-120"/>
                 <a:ea typeface="Microsoft JhengHei" panose="020B0604030504040204" pitchFamily="34" charset="-120"/>
               </a:rPr>
@@ -3615,6 +3793,9 @@
             </a:r>
             <a:r>
               <a:rPr lang="en-US" altLang="zh-CN" sz="5400" b="1" dirty="0" smtClean="0">
+                <a:solidFill>
+                  <a:srgbClr val="002060"/>
+                </a:solidFill>
                 <a:latin typeface="Microsoft JhengHei" panose="020B0604030504040204" pitchFamily="34" charset="-120"/>
                 <a:ea typeface="Microsoft JhengHei" panose="020B0604030504040204" pitchFamily="34" charset="-120"/>
               </a:rPr>
@@ -3622,12 +3803,18 @@
             </a:r>
             <a:r>
               <a:rPr lang="zh-CN" altLang="en-US" sz="5400" b="1" dirty="0" smtClean="0">
+                <a:solidFill>
+                  <a:srgbClr val="002060"/>
+                </a:solidFill>
                 <a:latin typeface="Microsoft JhengHei" panose="020B0604030504040204" pitchFamily="34" charset="-120"/>
                 <a:ea typeface="Microsoft JhengHei" panose="020B0604030504040204" pitchFamily="34" charset="-120"/>
               </a:rPr>
               <a:t>彼此靈交日親  </a:t>
             </a:r>
             <a:endParaRPr lang="en-US" altLang="zh-CN" sz="5400" b="1" dirty="0" smtClean="0">
+              <a:solidFill>
+                <a:srgbClr val="002060"/>
+              </a:solidFill>
               <a:latin typeface="Microsoft JhengHei" panose="020B0604030504040204" pitchFamily="34" charset="-120"/>
               <a:ea typeface="Microsoft JhengHei" panose="020B0604030504040204" pitchFamily="34" charset="-120"/>
             </a:endParaRPr>
@@ -3638,12 +3825,18 @@
             </a:pPr>
             <a:r>
               <a:rPr lang="zh-CN" altLang="en-US" sz="5400" b="1" dirty="0" smtClean="0">
+                <a:solidFill>
+                  <a:srgbClr val="002060"/>
+                </a:solidFill>
                 <a:latin typeface="Microsoft JhengHei" panose="020B0604030504040204" pitchFamily="34" charset="-120"/>
                 <a:ea typeface="Microsoft JhengHei" panose="020B0604030504040204" pitchFamily="34" charset="-120"/>
               </a:rPr>
               <a:t>情意最厚恩無盡  越久主愛越深</a:t>
             </a:r>
             <a:endParaRPr lang="vi-VN" sz="5400" b="1" dirty="0">
+              <a:solidFill>
+                <a:srgbClr val="002060"/>
+              </a:solidFill>
               <a:ea typeface="Microsoft JhengHei" panose="020B0604030504040204" pitchFamily="34" charset="-120"/>
             </a:endParaRPr>
           </a:p>
@@ -3672,14 +3865,26 @@
           <a:lstStyle/>
           <a:p>
             <a:r>
-              <a:rPr lang="en-US" sz="4800" b="1" dirty="0"/>
+              <a:rPr lang="en-US" sz="4800" b="1" dirty="0">
+                <a:solidFill>
+                  <a:srgbClr val="002060"/>
+                </a:solidFill>
+              </a:rPr>
               <a:t>2</a:t>
             </a:r>
             <a:r>
-              <a:rPr lang="en-US" sz="4800" b="1" dirty="0" smtClean="0"/>
+              <a:rPr lang="en-US" sz="4800" b="1" dirty="0" smtClean="0">
+                <a:solidFill>
+                  <a:srgbClr val="002060"/>
+                </a:solidFill>
+              </a:rPr>
               <a:t>.</a:t>
             </a:r>
-            <a:endParaRPr lang="vi-VN" sz="4800" b="1" dirty="0"/>
+            <a:endParaRPr lang="vi-VN" sz="4800" b="1" dirty="0">
+              <a:solidFill>
+                <a:srgbClr val="002060"/>
+              </a:solidFill>
+            </a:endParaRPr>
           </a:p>
         </p:txBody>
       </p:sp>
@@ -3732,12 +3937,18 @@
           <a:p>
             <a:r>
               <a:rPr lang="zh-CN" altLang="en-US" sz="4800" b="1" dirty="0" smtClean="0">
+                <a:solidFill>
+                  <a:srgbClr val="002060"/>
+                </a:solidFill>
                 <a:latin typeface="Microsoft JhengHei" panose="020B0604030504040204" pitchFamily="34" charset="-120"/>
                 <a:ea typeface="Microsoft JhengHei" panose="020B0604030504040204" pitchFamily="34" charset="-120"/>
               </a:rPr>
               <a:t>歌頌主愛</a:t>
             </a:r>
             <a:endParaRPr lang="vi-VN" sz="4800" b="1" dirty="0">
+              <a:solidFill>
+                <a:srgbClr val="002060"/>
+              </a:solidFill>
               <a:ea typeface="Microsoft JhengHei" panose="020B0604030504040204" pitchFamily="34" charset="-120"/>
             </a:endParaRPr>
           </a:p>
@@ -3765,11 +3976,17 @@
             </a:pPr>
             <a:r>
               <a:rPr lang="zh-CN" altLang="en-US" sz="5400" b="1" dirty="0" smtClean="0">
+                <a:solidFill>
+                  <a:srgbClr val="002060"/>
+                </a:solidFill>
                 <a:ea typeface="Microsoft JhengHei" panose="020B0604030504040204" pitchFamily="34" charset="-120"/>
               </a:rPr>
               <a:t>主的愛越久越深</a:t>
             </a:r>
             <a:endParaRPr lang="en-US" altLang="zh-CN" sz="5400" b="1" dirty="0" smtClean="0">
+              <a:solidFill>
+                <a:srgbClr val="002060"/>
+              </a:solidFill>
               <a:ea typeface="Microsoft JhengHei" panose="020B0604030504040204" pitchFamily="34" charset="-120"/>
             </a:endParaRPr>
           </a:p>
@@ -3779,17 +3996,26 @@
             </a:pPr>
             <a:r>
               <a:rPr lang="zh-CN" altLang="en-US" sz="5400" b="1" dirty="0">
+                <a:solidFill>
+                  <a:srgbClr val="002060"/>
+                </a:solidFill>
                 <a:ea typeface="Microsoft JhengHei" panose="020B0604030504040204" pitchFamily="34" charset="-120"/>
               </a:rPr>
               <a:t>主的愛越久越</a:t>
             </a:r>
             <a:r>
               <a:rPr lang="zh-CN" altLang="en-US" sz="5400" b="1" dirty="0" smtClean="0">
+                <a:solidFill>
+                  <a:srgbClr val="002060"/>
+                </a:solidFill>
                 <a:ea typeface="Microsoft JhengHei" panose="020B0604030504040204" pitchFamily="34" charset="-120"/>
               </a:rPr>
               <a:t>深</a:t>
             </a:r>
             <a:endParaRPr lang="en-US" altLang="zh-CN" sz="5400" b="1" dirty="0" smtClean="0">
+              <a:solidFill>
+                <a:srgbClr val="002060"/>
+              </a:solidFill>
               <a:ea typeface="Microsoft JhengHei" panose="020B0604030504040204" pitchFamily="34" charset="-120"/>
             </a:endParaRPr>
           </a:p>
@@ -3799,17 +4025,26 @@
             </a:pPr>
             <a:r>
               <a:rPr lang="zh-CN" altLang="en-US" sz="5400" b="1" dirty="0">
+                <a:solidFill>
+                  <a:srgbClr val="002060"/>
+                </a:solidFill>
                 <a:ea typeface="Microsoft JhengHei" panose="020B0604030504040204" pitchFamily="34" charset="-120"/>
               </a:rPr>
               <a:t>猶</a:t>
             </a:r>
             <a:r>
               <a:rPr lang="zh-CN" altLang="en-US" sz="5400" b="1" dirty="0" smtClean="0">
+                <a:solidFill>
+                  <a:srgbClr val="002060"/>
+                </a:solidFill>
                 <a:ea typeface="Microsoft JhengHei" panose="020B0604030504040204" pitchFamily="34" charset="-120"/>
               </a:rPr>
               <a:t>如大海汪洋  我要時時歌唱</a:t>
             </a:r>
             <a:endParaRPr lang="en-US" altLang="zh-CN" sz="5400" b="1" dirty="0" smtClean="0">
+              <a:solidFill>
+                <a:srgbClr val="002060"/>
+              </a:solidFill>
               <a:ea typeface="Microsoft JhengHei" panose="020B0604030504040204" pitchFamily="34" charset="-120"/>
             </a:endParaRPr>
           </a:p>
@@ -3819,17 +4054,26 @@
             </a:pPr>
             <a:r>
               <a:rPr lang="zh-CN" altLang="en-US" sz="5400" b="1" dirty="0">
+                <a:solidFill>
+                  <a:srgbClr val="002060"/>
+                </a:solidFill>
                 <a:ea typeface="Microsoft JhengHei" panose="020B0604030504040204" pitchFamily="34" charset="-120"/>
               </a:rPr>
               <a:t>主的愛越久越</a:t>
             </a:r>
             <a:r>
               <a:rPr lang="zh-CN" altLang="en-US" sz="5400" b="1" dirty="0" smtClean="0">
+                <a:solidFill>
+                  <a:srgbClr val="002060"/>
+                </a:solidFill>
                 <a:ea typeface="Microsoft JhengHei" panose="020B0604030504040204" pitchFamily="34" charset="-120"/>
               </a:rPr>
               <a:t>深</a:t>
             </a:r>
             <a:endParaRPr lang="en-US" altLang="zh-CN" sz="5400" b="1" dirty="0">
+              <a:solidFill>
+                <a:srgbClr val="002060"/>
+              </a:solidFill>
               <a:ea typeface="Microsoft JhengHei" panose="020B0604030504040204" pitchFamily="34" charset="-120"/>
             </a:endParaRPr>
           </a:p>
@@ -3858,14 +4102,26 @@
           <a:lstStyle/>
           <a:p>
             <a:r>
-              <a:rPr lang="en-US" sz="4800" b="1" dirty="0"/>
+              <a:rPr lang="en-US" sz="4800" b="1" dirty="0">
+                <a:solidFill>
+                  <a:srgbClr val="002060"/>
+                </a:solidFill>
+              </a:rPr>
               <a:t>2</a:t>
             </a:r>
             <a:r>
-              <a:rPr lang="en-US" sz="4800" b="1" dirty="0" smtClean="0"/>
+              <a:rPr lang="en-US" sz="4800" b="1" dirty="0" smtClean="0">
+                <a:solidFill>
+                  <a:srgbClr val="002060"/>
+                </a:solidFill>
+              </a:rPr>
               <a:t>.</a:t>
             </a:r>
-            <a:endParaRPr lang="vi-VN" sz="4800" b="1" dirty="0"/>
+            <a:endParaRPr lang="vi-VN" sz="4800" b="1" dirty="0">
+              <a:solidFill>
+                <a:srgbClr val="002060"/>
+              </a:solidFill>
+            </a:endParaRPr>
           </a:p>
         </p:txBody>
       </p:sp>
@@ -3918,12 +4174,18 @@
           <a:p>
             <a:r>
               <a:rPr lang="zh-CN" altLang="en-US" sz="4800" b="1" dirty="0" smtClean="0">
+                <a:solidFill>
+                  <a:srgbClr val="002060"/>
+                </a:solidFill>
                 <a:latin typeface="Microsoft JhengHei" panose="020B0604030504040204" pitchFamily="34" charset="-120"/>
                 <a:ea typeface="Microsoft JhengHei" panose="020B0604030504040204" pitchFamily="34" charset="-120"/>
               </a:rPr>
               <a:t>歌頌主愛</a:t>
             </a:r>
             <a:endParaRPr lang="vi-VN" sz="4800" b="1" dirty="0">
+              <a:solidFill>
+                <a:srgbClr val="002060"/>
+              </a:solidFill>
               <a:ea typeface="Microsoft JhengHei" panose="020B0604030504040204" pitchFamily="34" charset="-120"/>
             </a:endParaRPr>
           </a:p>
@@ -3951,13 +4213,29 @@
             </a:pPr>
             <a:r>
               <a:rPr lang="zh-CN" altLang="en-US" sz="5400" b="1" dirty="0" smtClean="0">
+                <a:solidFill>
+                  <a:srgbClr val="002060"/>
+                </a:solidFill>
                 <a:latin typeface="Microsoft JhengHei" panose="020B0604030504040204" pitchFamily="34" charset="-120"/>
                 <a:ea typeface="Microsoft JhengHei" panose="020B0604030504040204" pitchFamily="34" charset="-120"/>
               </a:rPr>
-              <a:t>我要歌頌主大</a:t>
+              <a:t>我要頌</a:t>
+            </a:r>
+            <a:r>
+              <a:rPr lang="zh-CN" altLang="en-US" sz="5400" b="1" dirty="0" smtClean="0">
+                <a:solidFill>
+                  <a:srgbClr val="002060"/>
+                </a:solidFill>
+                <a:latin typeface="Microsoft JhengHei" panose="020B0604030504040204" pitchFamily="34" charset="-120"/>
+                <a:ea typeface="Microsoft JhengHei" panose="020B0604030504040204" pitchFamily="34" charset="-120"/>
+              </a:rPr>
+              <a:t>主大</a:t>
             </a:r>
             <a:r>
               <a:rPr lang="zh-CN" altLang="en-US" sz="5400" b="1" dirty="0">
+                <a:solidFill>
+                  <a:srgbClr val="002060"/>
+                </a:solidFill>
                 <a:latin typeface="Microsoft JhengHei" panose="020B0604030504040204" pitchFamily="34" charset="-120"/>
                 <a:ea typeface="Microsoft JhengHei" panose="020B0604030504040204" pitchFamily="34" charset="-120"/>
               </a:rPr>
@@ -3965,12 +4243,18 @@
             </a:r>
             <a:r>
               <a:rPr lang="zh-CN" altLang="en-US" sz="5400" b="1" dirty="0" smtClean="0">
+                <a:solidFill>
+                  <a:srgbClr val="002060"/>
+                </a:solidFill>
                 <a:latin typeface="Microsoft JhengHei" panose="020B0604030504040204" pitchFamily="34" charset="-120"/>
                 <a:ea typeface="Microsoft JhengHei" panose="020B0604030504040204" pitchFamily="34" charset="-120"/>
               </a:rPr>
               <a:t>愛  遠超我人心願</a:t>
             </a:r>
             <a:endParaRPr lang="en-US" altLang="zh-CN" sz="5400" b="1" dirty="0" smtClean="0">
+              <a:solidFill>
+                <a:srgbClr val="002060"/>
+              </a:solidFill>
               <a:latin typeface="Microsoft JhengHei" panose="020B0604030504040204" pitchFamily="34" charset="-120"/>
               <a:ea typeface="Microsoft JhengHei" panose="020B0604030504040204" pitchFamily="34" charset="-120"/>
             </a:endParaRPr>
@@ -3981,12 +4265,18 @@
             </a:pPr>
             <a:r>
               <a:rPr lang="zh-CN" altLang="en-US" sz="5400" b="1" dirty="0" smtClean="0">
+                <a:solidFill>
+                  <a:srgbClr val="002060"/>
+                </a:solidFill>
                 <a:latin typeface="Microsoft JhengHei" panose="020B0604030504040204" pitchFamily="34" charset="-120"/>
                 <a:ea typeface="Microsoft JhengHei" panose="020B0604030504040204" pitchFamily="34" charset="-120"/>
               </a:rPr>
               <a:t>從主不測之豐富  充滿無量充滿</a:t>
             </a:r>
             <a:endParaRPr lang="en-US" altLang="zh-CN" sz="5400" b="1" dirty="0" smtClean="0">
+              <a:solidFill>
+                <a:srgbClr val="002060"/>
+              </a:solidFill>
               <a:latin typeface="Microsoft JhengHei" panose="020B0604030504040204" pitchFamily="34" charset="-120"/>
               <a:ea typeface="Microsoft JhengHei" panose="020B0604030504040204" pitchFamily="34" charset="-120"/>
             </a:endParaRPr>
@@ -3997,6 +4287,9 @@
             </a:pPr>
             <a:r>
               <a:rPr lang="zh-CN" altLang="en-US" sz="5400" b="1" dirty="0">
+                <a:solidFill>
+                  <a:srgbClr val="002060"/>
+                </a:solidFill>
                 <a:latin typeface="Microsoft JhengHei" panose="020B0604030504040204" pitchFamily="34" charset="-120"/>
                 <a:ea typeface="Microsoft JhengHei" panose="020B0604030504040204" pitchFamily="34" charset="-120"/>
               </a:rPr>
@@ -4004,12 +4297,18 @@
             </a:r>
             <a:r>
               <a:rPr lang="zh-CN" altLang="en-US" sz="5400" b="1" dirty="0" smtClean="0">
+                <a:solidFill>
+                  <a:srgbClr val="002060"/>
+                </a:solidFill>
                 <a:latin typeface="Microsoft JhengHei" panose="020B0604030504040204" pitchFamily="34" charset="-120"/>
                 <a:ea typeface="Microsoft JhengHei" panose="020B0604030504040204" pitchFamily="34" charset="-120"/>
               </a:rPr>
               <a:t>潛主愛中  時時有新效驗</a:t>
             </a:r>
             <a:endParaRPr lang="en-US" altLang="zh-CN" sz="5400" b="1" dirty="0" smtClean="0">
+              <a:solidFill>
+                <a:srgbClr val="002060"/>
+              </a:solidFill>
               <a:latin typeface="Microsoft JhengHei" panose="020B0604030504040204" pitchFamily="34" charset="-120"/>
               <a:ea typeface="Microsoft JhengHei" panose="020B0604030504040204" pitchFamily="34" charset="-120"/>
             </a:endParaRPr>
@@ -4020,6 +4319,9 @@
             </a:pPr>
             <a:r>
               <a:rPr lang="zh-CN" altLang="en-US" sz="5400" b="1" dirty="0">
+                <a:solidFill>
+                  <a:srgbClr val="002060"/>
+                </a:solidFill>
                 <a:latin typeface="Microsoft JhengHei" panose="020B0604030504040204" pitchFamily="34" charset="-120"/>
                 <a:ea typeface="Microsoft JhengHei" panose="020B0604030504040204" pitchFamily="34" charset="-120"/>
               </a:rPr>
@@ -4027,12 +4329,18 @@
             </a:r>
             <a:r>
               <a:rPr lang="zh-CN" altLang="en-US" sz="5400" b="1" dirty="0" smtClean="0">
+                <a:solidFill>
+                  <a:srgbClr val="002060"/>
+                </a:solidFill>
                 <a:latin typeface="Microsoft JhengHei" panose="020B0604030504040204" pitchFamily="34" charset="-120"/>
                 <a:ea typeface="Microsoft JhengHei" panose="020B0604030504040204" pitchFamily="34" charset="-120"/>
               </a:rPr>
               <a:t>我終必愛到底  主愛永不改變</a:t>
             </a:r>
             <a:endParaRPr lang="vi-VN" sz="5400" b="1" dirty="0">
+              <a:solidFill>
+                <a:srgbClr val="002060"/>
+              </a:solidFill>
               <a:ea typeface="Microsoft JhengHei" panose="020B0604030504040204" pitchFamily="34" charset="-120"/>
             </a:endParaRPr>
           </a:p>
@@ -4061,10 +4369,18 @@
           <a:lstStyle/>
           <a:p>
             <a:r>
-              <a:rPr lang="en-US" sz="4800" b="1" dirty="0" smtClean="0"/>
+              <a:rPr lang="en-US" sz="4800" b="1" dirty="0" smtClean="0">
+                <a:solidFill>
+                  <a:srgbClr val="002060"/>
+                </a:solidFill>
+              </a:rPr>
               <a:t>3.</a:t>
             </a:r>
-            <a:endParaRPr lang="vi-VN" sz="4800" b="1" dirty="0"/>
+            <a:endParaRPr lang="vi-VN" sz="4800" b="1" dirty="0">
+              <a:solidFill>
+                <a:srgbClr val="002060"/>
+              </a:solidFill>
+            </a:endParaRPr>
           </a:p>
         </p:txBody>
       </p:sp>
@@ -4117,12 +4433,18 @@
           <a:p>
             <a:r>
               <a:rPr lang="zh-CN" altLang="en-US" sz="4800" b="1" dirty="0" smtClean="0">
+                <a:solidFill>
+                  <a:srgbClr val="002060"/>
+                </a:solidFill>
                 <a:latin typeface="Microsoft JhengHei" panose="020B0604030504040204" pitchFamily="34" charset="-120"/>
                 <a:ea typeface="Microsoft JhengHei" panose="020B0604030504040204" pitchFamily="34" charset="-120"/>
               </a:rPr>
               <a:t>歌頌主愛</a:t>
             </a:r>
             <a:endParaRPr lang="vi-VN" sz="4800" b="1" dirty="0">
+              <a:solidFill>
+                <a:srgbClr val="002060"/>
+              </a:solidFill>
               <a:ea typeface="Microsoft JhengHei" panose="020B0604030504040204" pitchFamily="34" charset="-120"/>
             </a:endParaRPr>
           </a:p>
@@ -4150,12 +4472,47 @@
             </a:pPr>
             <a:r>
               <a:rPr lang="zh-CN" altLang="en-US" sz="5400" b="1" dirty="0" smtClean="0">
+                <a:solidFill>
+                  <a:srgbClr val="002060"/>
+                </a:solidFill>
                 <a:latin typeface="Microsoft JhengHei" panose="020B0604030504040204" pitchFamily="34" charset="-120"/>
                 <a:ea typeface="Microsoft JhengHei" panose="020B0604030504040204" pitchFamily="34" charset="-120"/>
               </a:rPr>
-              <a:t>主愛永不改變</a:t>
+              <a:t>主</a:t>
+            </a:r>
+            <a:r>
+              <a:rPr lang="zh-CN" altLang="en-US" sz="5400" b="1" dirty="0">
+                <a:solidFill>
+                  <a:srgbClr val="002060"/>
+                </a:solidFill>
+                <a:ea typeface="Microsoft JhengHei" panose="020B0604030504040204" pitchFamily="34" charset="-120"/>
+              </a:rPr>
+              <a:t>的</a:t>
+            </a:r>
+            <a:r>
+              <a:rPr lang="zh-CN" altLang="en-US" sz="5400" b="1" dirty="0" smtClean="0">
+                <a:solidFill>
+                  <a:srgbClr val="002060"/>
+                </a:solidFill>
+                <a:latin typeface="Microsoft JhengHei" panose="020B0604030504040204" pitchFamily="34" charset="-120"/>
+                <a:ea typeface="Microsoft JhengHei" panose="020B0604030504040204" pitchFamily="34" charset="-120"/>
+              </a:rPr>
+              <a:t>愛</a:t>
+            </a:r>
+            <a:r>
+              <a:rPr lang="zh-CN" altLang="en-US" sz="5400" b="1" dirty="0" smtClean="0">
+                <a:solidFill>
+                  <a:srgbClr val="002060"/>
+                </a:solidFill>
+                <a:latin typeface="Microsoft JhengHei" panose="020B0604030504040204" pitchFamily="34" charset="-120"/>
+                <a:ea typeface="Microsoft JhengHei" panose="020B0604030504040204" pitchFamily="34" charset="-120"/>
+              </a:rPr>
+              <a:t>永不改變</a:t>
             </a:r>
             <a:endParaRPr lang="en-US" altLang="zh-CN" sz="5400" b="1" dirty="0" smtClean="0">
+              <a:solidFill>
+                <a:srgbClr val="002060"/>
+              </a:solidFill>
               <a:latin typeface="Microsoft JhengHei" panose="020B0604030504040204" pitchFamily="34" charset="-120"/>
               <a:ea typeface="Microsoft JhengHei" panose="020B0604030504040204" pitchFamily="34" charset="-120"/>
             </a:endParaRPr>
@@ -4165,20 +4522,58 @@
               <a:buNone/>
             </a:pPr>
             <a:r>
+              <a:rPr lang="zh-CN" altLang="en-US" sz="5400" b="1" dirty="0" smtClean="0">
+                <a:solidFill>
+                  <a:srgbClr val="002060"/>
+                </a:solidFill>
+                <a:latin typeface="Microsoft JhengHei" panose="020B0604030504040204" pitchFamily="34" charset="-120"/>
+                <a:ea typeface="Microsoft JhengHei" panose="020B0604030504040204" pitchFamily="34" charset="-120"/>
+              </a:rPr>
+              <a:t>主</a:t>
+            </a:r>
+            <a:r>
               <a:rPr lang="zh-CN" altLang="en-US" sz="5400" b="1" dirty="0">
+                <a:solidFill>
+                  <a:srgbClr val="002060"/>
+                </a:solidFill>
+                <a:ea typeface="Microsoft JhengHei" panose="020B0604030504040204" pitchFamily="34" charset="-120"/>
+              </a:rPr>
+              <a:t>的</a:t>
+            </a:r>
+            <a:r>
+              <a:rPr lang="zh-CN" altLang="en-US" sz="5400" b="1" dirty="0" smtClean="0">
+                <a:solidFill>
+                  <a:srgbClr val="002060"/>
+                </a:solidFill>
                 <a:latin typeface="Microsoft JhengHei" panose="020B0604030504040204" pitchFamily="34" charset="-120"/>
                 <a:ea typeface="Microsoft JhengHei" panose="020B0604030504040204" pitchFamily="34" charset="-120"/>
               </a:rPr>
-              <a:t>主愛永不改</a:t>
+              <a:t>愛</a:t>
+            </a:r>
+            <a:r>
+              <a:rPr lang="zh-CN" altLang="en-US" sz="5400" b="1" dirty="0">
+                <a:solidFill>
+                  <a:srgbClr val="002060"/>
+                </a:solidFill>
+                <a:latin typeface="Microsoft JhengHei" panose="020B0604030504040204" pitchFamily="34" charset="-120"/>
+                <a:ea typeface="Microsoft JhengHei" panose="020B0604030504040204" pitchFamily="34" charset="-120"/>
+              </a:rPr>
+              <a:t>永不改</a:t>
             </a:r>
             <a:r>
               <a:rPr lang="zh-CN" altLang="en-US" sz="5400" b="1" dirty="0" smtClean="0">
+                <a:solidFill>
+                  <a:srgbClr val="002060"/>
+                </a:solidFill>
                 <a:latin typeface="Microsoft JhengHei" panose="020B0604030504040204" pitchFamily="34" charset="-120"/>
                 <a:ea typeface="Microsoft JhengHei" panose="020B0604030504040204" pitchFamily="34" charset="-120"/>
               </a:rPr>
               <a:t>變</a:t>
             </a:r>
             <a:endParaRPr lang="vi-VN" sz="5400" b="1" dirty="0">
+              <a:solidFill>
+                <a:srgbClr val="002060"/>
+              </a:solidFill>
               <a:ea typeface="Microsoft JhengHei" panose="020B0604030504040204" pitchFamily="34" charset="-120"/>
             </a:endParaRPr>
           </a:p>
@@ -4188,11 +4583,17 @@
             </a:pPr>
             <a:r>
               <a:rPr lang="zh-CN" altLang="en-US" sz="5400" b="1" dirty="0" smtClean="0">
+                <a:solidFill>
+                  <a:srgbClr val="002060"/>
+                </a:solidFill>
                 <a:ea typeface="Microsoft JhengHei" panose="020B0604030504040204" pitchFamily="34" charset="-120"/>
               </a:rPr>
               <a:t>從永遠到永遠  我要歡聲稱頌</a:t>
             </a:r>
             <a:endParaRPr lang="en-US" altLang="zh-CN" sz="5400" b="1" dirty="0" smtClean="0">
+              <a:solidFill>
+                <a:srgbClr val="002060"/>
+              </a:solidFill>
               <a:ea typeface="Microsoft JhengHei" panose="020B0604030504040204" pitchFamily="34" charset="-120"/>
             </a:endParaRPr>
           </a:p>
@@ -4201,20 +4602,58 @@
               <a:buNone/>
             </a:pPr>
             <a:r>
+              <a:rPr lang="zh-CN" altLang="en-US" sz="5400" b="1" dirty="0" smtClean="0">
+                <a:solidFill>
+                  <a:srgbClr val="002060"/>
+                </a:solidFill>
+                <a:latin typeface="Microsoft JhengHei" panose="020B0604030504040204" pitchFamily="34" charset="-120"/>
+                <a:ea typeface="Microsoft JhengHei" panose="020B0604030504040204" pitchFamily="34" charset="-120"/>
+              </a:rPr>
+              <a:t>主</a:t>
+            </a:r>
+            <a:r>
               <a:rPr lang="zh-CN" altLang="en-US" sz="5400" b="1" dirty="0">
+                <a:solidFill>
+                  <a:srgbClr val="002060"/>
+                </a:solidFill>
+                <a:ea typeface="Microsoft JhengHei" panose="020B0604030504040204" pitchFamily="34" charset="-120"/>
+              </a:rPr>
+              <a:t>的</a:t>
+            </a:r>
+            <a:r>
+              <a:rPr lang="zh-CN" altLang="en-US" sz="5400" b="1" dirty="0" smtClean="0">
+                <a:solidFill>
+                  <a:srgbClr val="002060"/>
+                </a:solidFill>
                 <a:latin typeface="Microsoft JhengHei" panose="020B0604030504040204" pitchFamily="34" charset="-120"/>
                 <a:ea typeface="Microsoft JhengHei" panose="020B0604030504040204" pitchFamily="34" charset="-120"/>
               </a:rPr>
-              <a:t>主愛永不改</a:t>
+              <a:t>愛</a:t>
+            </a:r>
+            <a:r>
+              <a:rPr lang="zh-CN" altLang="en-US" sz="5400" b="1" dirty="0">
+                <a:solidFill>
+                  <a:srgbClr val="002060"/>
+                </a:solidFill>
+                <a:latin typeface="Microsoft JhengHei" panose="020B0604030504040204" pitchFamily="34" charset="-120"/>
+                <a:ea typeface="Microsoft JhengHei" panose="020B0604030504040204" pitchFamily="34" charset="-120"/>
+              </a:rPr>
+              <a:t>永不改</a:t>
             </a:r>
             <a:r>
               <a:rPr lang="zh-CN" altLang="en-US" sz="5400" b="1" dirty="0" smtClean="0">
+                <a:solidFill>
+                  <a:srgbClr val="002060"/>
+                </a:solidFill>
                 <a:latin typeface="Microsoft JhengHei" panose="020B0604030504040204" pitchFamily="34" charset="-120"/>
                 <a:ea typeface="Microsoft JhengHei" panose="020B0604030504040204" pitchFamily="34" charset="-120"/>
               </a:rPr>
               <a:t>變</a:t>
             </a:r>
             <a:endParaRPr lang="vi-VN" sz="5400" b="1" dirty="0">
+              <a:solidFill>
+                <a:srgbClr val="002060"/>
+              </a:solidFill>
               <a:ea typeface="Microsoft JhengHei" panose="020B0604030504040204" pitchFamily="34" charset="-120"/>
             </a:endParaRPr>
           </a:p>
@@ -4243,10 +4682,18 @@
           <a:lstStyle/>
           <a:p>
             <a:r>
-              <a:rPr lang="en-US" sz="4800" b="1" dirty="0" smtClean="0"/>
+              <a:rPr lang="en-US" sz="4800" b="1" dirty="0" smtClean="0">
+                <a:solidFill>
+                  <a:srgbClr val="002060"/>
+                </a:solidFill>
+              </a:rPr>
               <a:t>3.</a:t>
             </a:r>
-            <a:endParaRPr lang="vi-VN" sz="4800" b="1" dirty="0"/>
+            <a:endParaRPr lang="vi-VN" sz="4800" b="1" dirty="0">
+              <a:solidFill>
+                <a:srgbClr val="002060"/>
+              </a:solidFill>
+            </a:endParaRPr>
           </a:p>
         </p:txBody>
       </p:sp>

--- a/宣道詩/(宣道詩220)歌頌主愛.pptx
+++ b/宣道詩/(宣道詩220)歌頌主愛.pptx
@@ -5,12 +5,19 @@
     <p:sldMasterId id="2147483660" r:id="rId1"/>
   </p:sldMasterIdLst>
   <p:sldIdLst>
-    <p:sldId id="257" r:id="rId2"/>
-    <p:sldId id="258" r:id="rId3"/>
-    <p:sldId id="259" r:id="rId4"/>
-    <p:sldId id="260" r:id="rId5"/>
-    <p:sldId id="261" r:id="rId6"/>
-    <p:sldId id="262" r:id="rId7"/>
+    <p:sldId id="263" r:id="rId2"/>
+    <p:sldId id="264" r:id="rId3"/>
+    <p:sldId id="265" r:id="rId4"/>
+    <p:sldId id="266" r:id="rId5"/>
+    <p:sldId id="267" r:id="rId6"/>
+    <p:sldId id="268" r:id="rId7"/>
+    <p:sldId id="269" r:id="rId8"/>
+    <p:sldId id="270" r:id="rId9"/>
+    <p:sldId id="271" r:id="rId10"/>
+    <p:sldId id="272" r:id="rId11"/>
+    <p:sldId id="273" r:id="rId12"/>
+    <p:sldId id="274" r:id="rId13"/>
+    <p:sldId id="275" r:id="rId14"/>
   </p:sldIdLst>
   <p:sldSz cx="12192000" cy="6858000"/>
   <p:notesSz cx="6858000" cy="9144000"/>
@@ -298,7 +305,7 @@
           <a:p>
             <a:fld id="{EF25A5E1-1D10-4127-A5A0-21255847F1DE}" type="datetimeFigureOut">
               <a:rPr lang="vi-VN" smtClean="0"/>
-              <a:t>25/09/2020</a:t>
+              <a:t>04/06/2022</a:t>
             </a:fld>
             <a:endParaRPr lang="vi-VN"/>
           </a:p>
@@ -468,7 +475,7 @@
           <a:p>
             <a:fld id="{EF25A5E1-1D10-4127-A5A0-21255847F1DE}" type="datetimeFigureOut">
               <a:rPr lang="vi-VN" smtClean="0"/>
-              <a:t>25/09/2020</a:t>
+              <a:t>04/06/2022</a:t>
             </a:fld>
             <a:endParaRPr lang="vi-VN"/>
           </a:p>
@@ -648,7 +655,7 @@
           <a:p>
             <a:fld id="{EF25A5E1-1D10-4127-A5A0-21255847F1DE}" type="datetimeFigureOut">
               <a:rPr lang="vi-VN" smtClean="0"/>
-              <a:t>25/09/2020</a:t>
+              <a:t>04/06/2022</a:t>
             </a:fld>
             <a:endParaRPr lang="vi-VN"/>
           </a:p>
@@ -818,7 +825,7 @@
           <a:p>
             <a:fld id="{EF25A5E1-1D10-4127-A5A0-21255847F1DE}" type="datetimeFigureOut">
               <a:rPr lang="vi-VN" smtClean="0"/>
-              <a:t>25/09/2020</a:t>
+              <a:t>04/06/2022</a:t>
             </a:fld>
             <a:endParaRPr lang="vi-VN"/>
           </a:p>
@@ -1064,7 +1071,7 @@
           <a:p>
             <a:fld id="{EF25A5E1-1D10-4127-A5A0-21255847F1DE}" type="datetimeFigureOut">
               <a:rPr lang="vi-VN" smtClean="0"/>
-              <a:t>25/09/2020</a:t>
+              <a:t>04/06/2022</a:t>
             </a:fld>
             <a:endParaRPr lang="vi-VN"/>
           </a:p>
@@ -1352,7 +1359,7 @@
           <a:p>
             <a:fld id="{EF25A5E1-1D10-4127-A5A0-21255847F1DE}" type="datetimeFigureOut">
               <a:rPr lang="vi-VN" smtClean="0"/>
-              <a:t>25/09/2020</a:t>
+              <a:t>04/06/2022</a:t>
             </a:fld>
             <a:endParaRPr lang="vi-VN"/>
           </a:p>
@@ -1774,7 +1781,7 @@
           <a:p>
             <a:fld id="{EF25A5E1-1D10-4127-A5A0-21255847F1DE}" type="datetimeFigureOut">
               <a:rPr lang="vi-VN" smtClean="0"/>
-              <a:t>25/09/2020</a:t>
+              <a:t>04/06/2022</a:t>
             </a:fld>
             <a:endParaRPr lang="vi-VN"/>
           </a:p>
@@ -1892,7 +1899,7 @@
           <a:p>
             <a:fld id="{EF25A5E1-1D10-4127-A5A0-21255847F1DE}" type="datetimeFigureOut">
               <a:rPr lang="vi-VN" smtClean="0"/>
-              <a:t>25/09/2020</a:t>
+              <a:t>04/06/2022</a:t>
             </a:fld>
             <a:endParaRPr lang="vi-VN"/>
           </a:p>
@@ -1987,7 +1994,7 @@
           <a:p>
             <a:fld id="{EF25A5E1-1D10-4127-A5A0-21255847F1DE}" type="datetimeFigureOut">
               <a:rPr lang="vi-VN" smtClean="0"/>
-              <a:t>25/09/2020</a:t>
+              <a:t>04/06/2022</a:t>
             </a:fld>
             <a:endParaRPr lang="vi-VN"/>
           </a:p>
@@ -2264,7 +2271,7 @@
           <a:p>
             <a:fld id="{EF25A5E1-1D10-4127-A5A0-21255847F1DE}" type="datetimeFigureOut">
               <a:rPr lang="vi-VN" smtClean="0"/>
-              <a:t>25/09/2020</a:t>
+              <a:t>04/06/2022</a:t>
             </a:fld>
             <a:endParaRPr lang="vi-VN"/>
           </a:p>
@@ -2521,7 +2528,7 @@
           <a:p>
             <a:fld id="{EF25A5E1-1D10-4127-A5A0-21255847F1DE}" type="datetimeFigureOut">
               <a:rPr lang="vi-VN" smtClean="0"/>
-              <a:t>25/09/2020</a:t>
+              <a:t>04/06/2022</a:t>
             </a:fld>
             <a:endParaRPr lang="vi-VN"/>
           </a:p>
@@ -2739,7 +2746,7 @@
           <a:p>
             <a:fld id="{EF25A5E1-1D10-4127-A5A0-21255847F1DE}" type="datetimeFigureOut">
               <a:rPr lang="vi-VN" smtClean="0"/>
-              <a:t>25/09/2020</a:t>
+              <a:t>04/06/2022</a:t>
             </a:fld>
             <a:endParaRPr lang="vi-VN"/>
           </a:p>
@@ -3116,7 +3123,7 @@
       </p:grpSpPr>
       <p:sp>
         <p:nvSpPr>
-          <p:cNvPr id="2" name="Title 1"/>
+          <p:cNvPr id="4" name="標題 3"/>
           <p:cNvSpPr>
             <a:spLocks noGrp="1"/>
           </p:cNvSpPr>
@@ -3124,181 +3131,230 @@
             <p:ph type="title"/>
           </p:nvPr>
         </p:nvSpPr>
-        <p:spPr/>
+        <p:spPr>
+          <a:xfrm>
+            <a:off x="0" y="2660915"/>
+            <a:ext cx="12192000" cy="1143000"/>
+          </a:xfrm>
+        </p:spPr>
         <p:txBody>
           <a:bodyPr>
+            <a:noAutofit/>
+          </a:bodyPr>
+          <a:lstStyle/>
+          <a:p>
+            <a:r>
+              <a:rPr lang="zh-CN" altLang="en-US" sz="5333" b="1" u="sng" dirty="0">
+                <a:solidFill>
+                  <a:srgbClr val="660033"/>
+                </a:solidFill>
+                <a:effectLst>
+                  <a:outerShdw blurRad="38100" dist="38100" dir="2700000" algn="tl">
+                    <a:srgbClr val="000000">
+                      <a:alpha val="43137"/>
+                    </a:srgbClr>
+                  </a:outerShdw>
+                </a:effectLst>
+                <a:latin typeface="微軟正黑體" pitchFamily="34" charset="-120"/>
+                <a:ea typeface="微軟正黑體" pitchFamily="34" charset="-120"/>
+              </a:rPr>
+              <a:t>宣道詩 </a:t>
+            </a:r>
+            <a:r>
+              <a:rPr lang="en-US" altLang="zh-CN" sz="5333" b="1" u="sng" dirty="0">
+                <a:solidFill>
+                  <a:srgbClr val="660033"/>
+                </a:solidFill>
+                <a:effectLst>
+                  <a:outerShdw blurRad="38100" dist="38100" dir="2700000" algn="tl">
+                    <a:srgbClr val="000000">
+                      <a:alpha val="43137"/>
+                    </a:srgbClr>
+                  </a:outerShdw>
+                </a:effectLst>
+                <a:latin typeface="微軟正黑體" pitchFamily="34" charset="-120"/>
+                <a:ea typeface="微軟正黑體" pitchFamily="34" charset="-120"/>
+              </a:rPr>
+              <a:t>220</a:t>
+            </a:r>
+            <a:r>
+              <a:rPr lang="en-US" altLang="zh-CN" sz="7200" b="1" i="1" dirty="0">
+                <a:solidFill>
+                  <a:srgbClr val="660033"/>
+                </a:solidFill>
+                <a:effectLst>
+                  <a:outerShdw blurRad="38100" dist="38100" dir="2700000" algn="tl">
+                    <a:srgbClr val="000000">
+                      <a:alpha val="43137"/>
+                    </a:srgbClr>
+                  </a:outerShdw>
+                </a:effectLst>
+                <a:latin typeface="微軟正黑體" pitchFamily="34" charset="-120"/>
+                <a:ea typeface="微軟正黑體" pitchFamily="34" charset="-120"/>
+              </a:rPr>
+              <a:t/>
+            </a:r>
+            <a:br>
+              <a:rPr lang="en-US" altLang="zh-CN" sz="7200" b="1" i="1" dirty="0">
+                <a:solidFill>
+                  <a:srgbClr val="660033"/>
+                </a:solidFill>
+                <a:effectLst>
+                  <a:outerShdw blurRad="38100" dist="38100" dir="2700000" algn="tl">
+                    <a:srgbClr val="000000">
+                      <a:alpha val="43137"/>
+                    </a:srgbClr>
+                  </a:outerShdw>
+                </a:effectLst>
+                <a:latin typeface="微軟正黑體" pitchFamily="34" charset="-120"/>
+                <a:ea typeface="微軟正黑體" pitchFamily="34" charset="-120"/>
+              </a:rPr>
+            </a:br>
+            <a:r>
+              <a:rPr lang="zh-CN" altLang="en-US" sz="8000" b="1" dirty="0">
+                <a:solidFill>
+                  <a:srgbClr val="000066"/>
+                </a:solidFill>
+                <a:effectLst>
+                  <a:outerShdw blurRad="38100" dist="38100" dir="2700000" algn="tl">
+                    <a:srgbClr val="000000">
+                      <a:alpha val="43137"/>
+                    </a:srgbClr>
+                  </a:outerShdw>
+                </a:effectLst>
+                <a:latin typeface="微軟正黑體" pitchFamily="34" charset="-120"/>
+                <a:ea typeface="微軟正黑體" pitchFamily="34" charset="-120"/>
+              </a:rPr>
+              <a:t>歌</a:t>
+            </a:r>
+            <a:r>
+              <a:rPr lang="zh-CN" altLang="en-US" sz="8000" b="1" dirty="0">
+                <a:solidFill>
+                  <a:srgbClr val="000066"/>
+                </a:solidFill>
+                <a:effectLst>
+                  <a:outerShdw blurRad="38100" dist="38100" dir="2700000" algn="tl">
+                    <a:srgbClr val="000000">
+                      <a:alpha val="43137"/>
+                    </a:srgbClr>
+                  </a:outerShdw>
+                </a:effectLst>
+                <a:latin typeface="微軟正黑體" pitchFamily="34" charset="-120"/>
+                <a:ea typeface="微軟正黑體" pitchFamily="34" charset="-120"/>
+              </a:rPr>
+              <a:t>頌主愛</a:t>
+            </a:r>
+            <a:endParaRPr lang="zh-TW" altLang="en-US" sz="8000" b="1" dirty="0">
+              <a:solidFill>
+                <a:srgbClr val="000066"/>
+              </a:solidFill>
+              <a:effectLst>
+                <a:outerShdw blurRad="38100" dist="38100" dir="2700000" algn="tl">
+                  <a:srgbClr val="000000">
+                    <a:alpha val="43137"/>
+                  </a:srgbClr>
+                </a:outerShdw>
+              </a:effectLst>
+              <a:latin typeface="微軟正黑體" pitchFamily="34" charset="-120"/>
+              <a:ea typeface="微軟正黑體" pitchFamily="34" charset="-120"/>
+            </a:endParaRPr>
+          </a:p>
+        </p:txBody>
+      </p:sp>
+    </p:spTree>
+    <p:extLst>
+      <p:ext uri="{BB962C8B-B14F-4D97-AF65-F5344CB8AC3E}">
+        <p14:creationId xmlns:p14="http://schemas.microsoft.com/office/powerpoint/2010/main" val="708843767"/>
+      </p:ext>
+    </p:extLst>
+  </p:cSld>
+  <p:clrMapOvr>
+    <a:masterClrMapping/>
+  </p:clrMapOvr>
+  <p:timing>
+    <p:tnLst>
+      <p:par>
+        <p:cTn id="1" dur="indefinite" restart="never" nodeType="tmRoot"/>
+      </p:par>
+    </p:tnLst>
+  </p:timing>
+</p:sld>
+</file>
+
+<file path=ppt/slides/slide10.xml><?xml version="1.0" encoding="utf-8"?>
+<p:sld xmlns:a="http://schemas.openxmlformats.org/drawingml/2006/main" xmlns:r="http://schemas.openxmlformats.org/officeDocument/2006/relationships" xmlns:p="http://schemas.openxmlformats.org/presentationml/2006/main">
+  <p:cSld>
+    <p:spTree>
+      <p:nvGrpSpPr>
+        <p:cNvPr id="1" name=""/>
+        <p:cNvGrpSpPr/>
+        <p:nvPr/>
+      </p:nvGrpSpPr>
+      <p:grpSpPr>
+        <a:xfrm>
+          <a:off x="0" y="0"/>
+          <a:ext cx="0" cy="0"/>
+          <a:chOff x="0" y="0"/>
+          <a:chExt cx="0" cy="0"/>
+        </a:xfrm>
+      </p:grpSpPr>
+      <p:sp>
+        <p:nvSpPr>
+          <p:cNvPr id="5" name="內容版面配置區 4"/>
+          <p:cNvSpPr>
+            <a:spLocks noGrp="1"/>
+          </p:cNvSpPr>
+          <p:nvPr>
+            <p:ph idx="1"/>
+          </p:nvPr>
+        </p:nvSpPr>
+        <p:spPr>
+          <a:xfrm>
+            <a:off x="0" y="2084851"/>
+            <a:ext cx="12192000" cy="2404863"/>
+          </a:xfrm>
+        </p:spPr>
+        <p:txBody>
+          <a:bodyPr anchor="ctr">
             <a:normAutofit/>
           </a:bodyPr>
           <a:lstStyle/>
           <a:p>
-            <a:r>
-              <a:rPr lang="zh-CN" altLang="en-US" sz="4800" b="1" dirty="0" smtClean="0">
-                <a:solidFill>
-                  <a:srgbClr val="002060"/>
-                </a:solidFill>
-                <a:latin typeface="Microsoft JhengHei" panose="020B0604030504040204" pitchFamily="34" charset="-120"/>
+            <a:pPr marL="0" indent="0" algn="ctr">
+              <a:buNone/>
+            </a:pPr>
+            <a:r>
+              <a:rPr lang="zh-CN" altLang="en-US" sz="6400" b="1" dirty="0">
+                <a:solidFill>
+                  <a:srgbClr val="000066"/>
+                </a:solidFill>
                 <a:ea typeface="Microsoft JhengHei" panose="020B0604030504040204" pitchFamily="34" charset="-120"/>
               </a:rPr>
-              <a:t>歌頌主愛</a:t>
-            </a:r>
-            <a:endParaRPr lang="vi-VN" sz="4800" b="1" dirty="0">
+              <a:t>我要頌主大慈愛  遠超我人心願</a:t>
+            </a:r>
+            <a:endParaRPr lang="en-US" altLang="zh-CN" sz="6400" b="1" dirty="0">
               <a:solidFill>
-                <a:srgbClr val="002060"/>
+                <a:srgbClr val="000066"/>
               </a:solidFill>
               <a:ea typeface="Microsoft JhengHei" panose="020B0604030504040204" pitchFamily="34" charset="-120"/>
             </a:endParaRPr>
           </a:p>
-        </p:txBody>
-      </p:sp>
-      <p:sp>
-        <p:nvSpPr>
-          <p:cNvPr id="3" name="Content Placeholder 2"/>
-          <p:cNvSpPr>
-            <a:spLocks noGrp="1"/>
-          </p:cNvSpPr>
-          <p:nvPr>
-            <p:ph idx="1"/>
-          </p:nvPr>
-        </p:nvSpPr>
-        <p:spPr/>
-        <p:txBody>
-          <a:bodyPr>
-            <a:normAutofit/>
-          </a:bodyPr>
-          <a:lstStyle/>
           <a:p>
             <a:pPr marL="0" indent="0" algn="ctr">
               <a:buNone/>
             </a:pPr>
             <a:r>
-              <a:rPr lang="zh-CN" altLang="en-US" sz="5400" b="1" dirty="0" smtClean="0">
-                <a:solidFill>
-                  <a:srgbClr val="002060"/>
-                </a:solidFill>
-                <a:latin typeface="Microsoft JhengHei" panose="020B0604030504040204" pitchFamily="34" charset="-120"/>
+              <a:rPr lang="zh-CN" altLang="en-US" sz="6400" b="1" dirty="0">
+                <a:solidFill>
+                  <a:srgbClr val="000066"/>
+                </a:solidFill>
                 <a:ea typeface="Microsoft JhengHei" panose="020B0604030504040204" pitchFamily="34" charset="-120"/>
               </a:rPr>
-              <a:t>我</a:t>
-            </a:r>
-            <a:r>
-              <a:rPr lang="zh-CN" altLang="en-US" sz="5400" b="1" dirty="0" smtClean="0">
-                <a:solidFill>
-                  <a:srgbClr val="002060"/>
-                </a:solidFill>
-                <a:latin typeface="Microsoft JhengHei" panose="020B0604030504040204" pitchFamily="34" charset="-120"/>
-                <a:ea typeface="Microsoft JhengHei" panose="020B0604030504040204" pitchFamily="34" charset="-120"/>
-              </a:rPr>
-              <a:t>要頌</a:t>
-            </a:r>
-            <a:r>
-              <a:rPr lang="zh-CN" altLang="en-US" sz="5400" b="1" dirty="0" smtClean="0">
-                <a:solidFill>
-                  <a:srgbClr val="002060"/>
-                </a:solidFill>
-                <a:latin typeface="Microsoft JhengHei" panose="020B0604030504040204" pitchFamily="34" charset="-120"/>
-                <a:ea typeface="Microsoft JhengHei" panose="020B0604030504040204" pitchFamily="34" charset="-120"/>
-              </a:rPr>
-              <a:t>主大慈愛  口舌永說不盡</a:t>
-            </a:r>
-            <a:endParaRPr lang="en-US" altLang="zh-CN" sz="5400" b="1" dirty="0" smtClean="0">
+              <a:t>從主不測之豐富  充滿無量充滿</a:t>
+            </a:r>
+            <a:endParaRPr lang="en-US" altLang="zh-CN" sz="6400" b="1" dirty="0">
               <a:solidFill>
-                <a:srgbClr val="002060"/>
-              </a:solidFill>
-              <a:latin typeface="Microsoft JhengHei" panose="020B0604030504040204" pitchFamily="34" charset="-120"/>
-              <a:ea typeface="Microsoft JhengHei" panose="020B0604030504040204" pitchFamily="34" charset="-120"/>
-            </a:endParaRPr>
-          </a:p>
-          <a:p>
-            <a:pPr marL="0" indent="0" algn="ctr">
-              <a:buNone/>
-            </a:pPr>
-            <a:r>
-              <a:rPr lang="zh-CN" altLang="en-US" sz="5400" b="1" dirty="0">
-                <a:solidFill>
-                  <a:srgbClr val="002060"/>
-                </a:solidFill>
-                <a:latin typeface="Microsoft JhengHei" panose="020B0604030504040204" pitchFamily="34" charset="-120"/>
-                <a:ea typeface="Microsoft JhengHei" panose="020B0604030504040204" pitchFamily="34" charset="-120"/>
-              </a:rPr>
-              <a:t>甘願担當</a:t>
-            </a:r>
-            <a:r>
-              <a:rPr lang="zh-CN" altLang="en-US" sz="5400" b="1" dirty="0" smtClean="0">
-                <a:solidFill>
-                  <a:srgbClr val="002060"/>
-                </a:solidFill>
-                <a:latin typeface="Microsoft JhengHei" panose="020B0604030504040204" pitchFamily="34" charset="-120"/>
-                <a:ea typeface="Microsoft JhengHei" panose="020B0604030504040204" pitchFamily="34" charset="-120"/>
-              </a:rPr>
-              <a:t>我重刑  流血贖我罪身</a:t>
-            </a:r>
-            <a:endParaRPr lang="en-US" altLang="zh-CN" sz="5400" b="1" dirty="0" smtClean="0">
-              <a:solidFill>
-                <a:srgbClr val="002060"/>
-              </a:solidFill>
-              <a:latin typeface="Microsoft JhengHei" panose="020B0604030504040204" pitchFamily="34" charset="-120"/>
-              <a:ea typeface="Microsoft JhengHei" panose="020B0604030504040204" pitchFamily="34" charset="-120"/>
-            </a:endParaRPr>
-          </a:p>
-          <a:p>
-            <a:pPr marL="0" indent="0" algn="ctr">
-              <a:buNone/>
-            </a:pPr>
-            <a:r>
-              <a:rPr lang="zh-CN" altLang="en-US" sz="5400" b="1" dirty="0">
-                <a:solidFill>
-                  <a:srgbClr val="002060"/>
-                </a:solidFill>
-                <a:latin typeface="Microsoft JhengHei" panose="020B0604030504040204" pitchFamily="34" charset="-120"/>
-                <a:ea typeface="Microsoft JhengHei" panose="020B0604030504040204" pitchFamily="34" charset="-120"/>
-              </a:rPr>
-              <a:t>將</a:t>
-            </a:r>
-            <a:r>
-              <a:rPr lang="zh-CN" altLang="en-US" sz="5400" b="1" dirty="0" smtClean="0">
-                <a:solidFill>
-                  <a:srgbClr val="002060"/>
-                </a:solidFill>
-                <a:latin typeface="Microsoft JhengHei" panose="020B0604030504040204" pitchFamily="34" charset="-120"/>
-                <a:ea typeface="Microsoft JhengHei" panose="020B0604030504040204" pitchFamily="34" charset="-120"/>
-              </a:rPr>
-              <a:t>我污穢洗白淨  日與父神親近</a:t>
-            </a:r>
-            <a:endParaRPr lang="en-US" altLang="zh-CN" sz="5400" b="1" dirty="0" smtClean="0">
-              <a:solidFill>
-                <a:srgbClr val="002060"/>
-              </a:solidFill>
-              <a:latin typeface="Microsoft JhengHei" panose="020B0604030504040204" pitchFamily="34" charset="-120"/>
-              <a:ea typeface="Microsoft JhengHei" panose="020B0604030504040204" pitchFamily="34" charset="-120"/>
-            </a:endParaRPr>
-          </a:p>
-          <a:p>
-            <a:pPr marL="0" indent="0" algn="ctr">
-              <a:buNone/>
-            </a:pPr>
-            <a:r>
-              <a:rPr lang="zh-CN" altLang="en-US" sz="5400" b="1" dirty="0">
-                <a:solidFill>
-                  <a:srgbClr val="002060"/>
-                </a:solidFill>
-                <a:latin typeface="Microsoft JhengHei" panose="020B0604030504040204" pitchFamily="34" charset="-120"/>
-                <a:ea typeface="Microsoft JhengHei" panose="020B0604030504040204" pitchFamily="34" charset="-120"/>
-              </a:rPr>
-              <a:t>身靈安居主愛</a:t>
-            </a:r>
-            <a:r>
-              <a:rPr lang="zh-CN" altLang="en-US" sz="5400" b="1" dirty="0" smtClean="0">
-                <a:solidFill>
-                  <a:srgbClr val="002060"/>
-                </a:solidFill>
-                <a:latin typeface="Microsoft JhengHei" panose="020B0604030504040204" pitchFamily="34" charset="-120"/>
-                <a:ea typeface="Microsoft JhengHei" panose="020B0604030504040204" pitchFamily="34" charset="-120"/>
-              </a:rPr>
-              <a:t>裏  永遠滿足我心</a:t>
-            </a:r>
-            <a:endParaRPr lang="vi-VN" sz="5400" b="1" dirty="0">
-              <a:solidFill>
-                <a:srgbClr val="002060"/>
+                <a:srgbClr val="000066"/>
               </a:solidFill>
               <a:ea typeface="Microsoft JhengHei" panose="020B0604030504040204" pitchFamily="34" charset="-120"/>
             </a:endParaRPr>
@@ -3307,14 +3363,14 @@
       </p:sp>
       <p:sp>
         <p:nvSpPr>
-          <p:cNvPr id="4" name="TextBox 3"/>
+          <p:cNvPr id="3" name="TextBox 2"/>
           <p:cNvSpPr txBox="1"/>
           <p:nvPr/>
         </p:nvSpPr>
         <p:spPr>
           <a:xfrm>
-            <a:off x="134112" y="1770889"/>
-            <a:ext cx="743712" cy="830997"/>
+            <a:off x="0" y="5061182"/>
+            <a:ext cx="12192000" cy="830997"/>
           </a:xfrm>
           <a:prstGeom prst="rect">
             <a:avLst/>
@@ -3327,17 +3383,18 @@
           </a:bodyPr>
           <a:lstStyle/>
           <a:p>
-            <a:r>
-              <a:rPr lang="en-US" sz="4800" b="1" dirty="0" smtClean="0">
-                <a:solidFill>
-                  <a:srgbClr val="002060"/>
+            <a:pPr algn="ctr"/>
+            <a:r>
+              <a:rPr lang="en-US" sz="4800" b="1" dirty="0">
+                <a:solidFill>
+                  <a:srgbClr val="000066"/>
                 </a:solidFill>
               </a:rPr>
-              <a:t>1.</a:t>
+              <a:t>( 3 / 3 )</a:t>
             </a:r>
             <a:endParaRPr lang="vi-VN" sz="4800" b="1" dirty="0">
               <a:solidFill>
-                <a:srgbClr val="002060"/>
+                <a:srgbClr val="000066"/>
               </a:solidFill>
             </a:endParaRPr>
           </a:p>
@@ -3346,13 +3403,437 @@
     </p:spTree>
     <p:extLst>
       <p:ext uri="{BB962C8B-B14F-4D97-AF65-F5344CB8AC3E}">
-        <p14:creationId xmlns:p14="http://schemas.microsoft.com/office/powerpoint/2010/main" val="1878820097"/>
+        <p14:creationId xmlns:p14="http://schemas.microsoft.com/office/powerpoint/2010/main" val="1498616400"/>
       </p:ext>
     </p:extLst>
   </p:cSld>
   <p:clrMapOvr>
     <a:masterClrMapping/>
   </p:clrMapOvr>
+  <p:timing>
+    <p:tnLst>
+      <p:par>
+        <p:cTn id="1" dur="indefinite" restart="never" nodeType="tmRoot"/>
+      </p:par>
+    </p:tnLst>
+  </p:timing>
+</p:sld>
+</file>
+
+<file path=ppt/slides/slide11.xml><?xml version="1.0" encoding="utf-8"?>
+<p:sld xmlns:a="http://schemas.openxmlformats.org/drawingml/2006/main" xmlns:r="http://schemas.openxmlformats.org/officeDocument/2006/relationships" xmlns:p="http://schemas.openxmlformats.org/presentationml/2006/main">
+  <p:cSld>
+    <p:spTree>
+      <p:nvGrpSpPr>
+        <p:cNvPr id="1" name=""/>
+        <p:cNvGrpSpPr/>
+        <p:nvPr/>
+      </p:nvGrpSpPr>
+      <p:grpSpPr>
+        <a:xfrm>
+          <a:off x="0" y="0"/>
+          <a:ext cx="0" cy="0"/>
+          <a:chOff x="0" y="0"/>
+          <a:chExt cx="0" cy="0"/>
+        </a:xfrm>
+      </p:grpSpPr>
+      <p:sp>
+        <p:nvSpPr>
+          <p:cNvPr id="5" name="內容版面配置區 4"/>
+          <p:cNvSpPr>
+            <a:spLocks noGrp="1"/>
+          </p:cNvSpPr>
+          <p:nvPr>
+            <p:ph idx="1"/>
+          </p:nvPr>
+        </p:nvSpPr>
+        <p:spPr>
+          <a:xfrm>
+            <a:off x="0" y="2084851"/>
+            <a:ext cx="12192000" cy="2404863"/>
+          </a:xfrm>
+        </p:spPr>
+        <p:txBody>
+          <a:bodyPr anchor="ctr">
+            <a:normAutofit/>
+          </a:bodyPr>
+          <a:lstStyle/>
+          <a:p>
+            <a:pPr marL="0" indent="0" algn="ctr">
+              <a:buNone/>
+            </a:pPr>
+            <a:r>
+              <a:rPr lang="zh-CN" altLang="en-US" sz="6400" b="1" dirty="0">
+                <a:solidFill>
+                  <a:srgbClr val="000066"/>
+                </a:solidFill>
+                <a:ea typeface="Microsoft JhengHei" panose="020B0604030504040204" pitchFamily="34" charset="-120"/>
+              </a:rPr>
+              <a:t>永遠沉潛主愛中  時時有新效驗</a:t>
+            </a:r>
+            <a:endParaRPr lang="en-US" altLang="zh-CN" sz="6400" b="1" dirty="0">
+              <a:solidFill>
+                <a:srgbClr val="000066"/>
+              </a:solidFill>
+              <a:ea typeface="Microsoft JhengHei" panose="020B0604030504040204" pitchFamily="34" charset="-120"/>
+            </a:endParaRPr>
+          </a:p>
+          <a:p>
+            <a:pPr marL="0" indent="0" algn="ctr">
+              <a:buNone/>
+            </a:pPr>
+            <a:r>
+              <a:rPr lang="zh-CN" altLang="en-US" sz="6400" b="1" dirty="0">
+                <a:solidFill>
+                  <a:srgbClr val="000066"/>
+                </a:solidFill>
+                <a:ea typeface="Microsoft JhengHei" panose="020B0604030504040204" pitchFamily="34" charset="-120"/>
+              </a:rPr>
+              <a:t>愛我終必愛到底  主愛永不改變</a:t>
+            </a:r>
+            <a:endParaRPr lang="vi-VN" sz="6400" b="1" dirty="0">
+              <a:solidFill>
+                <a:srgbClr val="000066"/>
+              </a:solidFill>
+              <a:ea typeface="Microsoft JhengHei" panose="020B0604030504040204" pitchFamily="34" charset="-120"/>
+            </a:endParaRPr>
+          </a:p>
+        </p:txBody>
+      </p:sp>
+      <p:sp>
+        <p:nvSpPr>
+          <p:cNvPr id="3" name="TextBox 2"/>
+          <p:cNvSpPr txBox="1"/>
+          <p:nvPr/>
+        </p:nvSpPr>
+        <p:spPr>
+          <a:xfrm>
+            <a:off x="0" y="5061182"/>
+            <a:ext cx="12192000" cy="830997"/>
+          </a:xfrm>
+          <a:prstGeom prst="rect">
+            <a:avLst/>
+          </a:prstGeom>
+          <a:noFill/>
+        </p:spPr>
+        <p:txBody>
+          <a:bodyPr wrap="square" rtlCol="0">
+            <a:spAutoFit/>
+          </a:bodyPr>
+          <a:lstStyle/>
+          <a:p>
+            <a:pPr algn="ctr"/>
+            <a:r>
+              <a:rPr lang="en-US" sz="4800" b="1" dirty="0">
+                <a:solidFill>
+                  <a:srgbClr val="000066"/>
+                </a:solidFill>
+              </a:rPr>
+              <a:t>( 3 / 3 )</a:t>
+            </a:r>
+            <a:endParaRPr lang="vi-VN" sz="4800" b="1" dirty="0">
+              <a:solidFill>
+                <a:srgbClr val="000066"/>
+              </a:solidFill>
+            </a:endParaRPr>
+          </a:p>
+        </p:txBody>
+      </p:sp>
+    </p:spTree>
+    <p:extLst>
+      <p:ext uri="{BB962C8B-B14F-4D97-AF65-F5344CB8AC3E}">
+        <p14:creationId xmlns:p14="http://schemas.microsoft.com/office/powerpoint/2010/main" val="2430162843"/>
+      </p:ext>
+    </p:extLst>
+  </p:cSld>
+  <p:clrMapOvr>
+    <a:masterClrMapping/>
+  </p:clrMapOvr>
+  <p:timing>
+    <p:tnLst>
+      <p:par>
+        <p:cTn id="1" dur="indefinite" restart="never" nodeType="tmRoot"/>
+      </p:par>
+    </p:tnLst>
+  </p:timing>
+</p:sld>
+</file>
+
+<file path=ppt/slides/slide12.xml><?xml version="1.0" encoding="utf-8"?>
+<p:sld xmlns:a="http://schemas.openxmlformats.org/drawingml/2006/main" xmlns:r="http://schemas.openxmlformats.org/officeDocument/2006/relationships" xmlns:p="http://schemas.openxmlformats.org/presentationml/2006/main">
+  <p:cSld>
+    <p:spTree>
+      <p:nvGrpSpPr>
+        <p:cNvPr id="1" name=""/>
+        <p:cNvGrpSpPr/>
+        <p:nvPr/>
+      </p:nvGrpSpPr>
+      <p:grpSpPr>
+        <a:xfrm>
+          <a:off x="0" y="0"/>
+          <a:ext cx="0" cy="0"/>
+          <a:chOff x="0" y="0"/>
+          <a:chExt cx="0" cy="0"/>
+        </a:xfrm>
+      </p:grpSpPr>
+      <p:sp>
+        <p:nvSpPr>
+          <p:cNvPr id="5" name="內容版面配置區 4"/>
+          <p:cNvSpPr>
+            <a:spLocks noGrp="1"/>
+          </p:cNvSpPr>
+          <p:nvPr>
+            <p:ph idx="1"/>
+          </p:nvPr>
+        </p:nvSpPr>
+        <p:spPr>
+          <a:xfrm>
+            <a:off x="0" y="2084851"/>
+            <a:ext cx="12192000" cy="2404863"/>
+          </a:xfrm>
+        </p:spPr>
+        <p:txBody>
+          <a:bodyPr anchor="ctr">
+            <a:normAutofit/>
+          </a:bodyPr>
+          <a:lstStyle/>
+          <a:p>
+            <a:pPr marL="0" indent="0" algn="ctr">
+              <a:buNone/>
+            </a:pPr>
+            <a:r>
+              <a:rPr lang="zh-CN" altLang="en-US" sz="6400" b="1" dirty="0">
+                <a:solidFill>
+                  <a:srgbClr val="000066"/>
+                </a:solidFill>
+                <a:ea typeface="Microsoft JhengHei" panose="020B0604030504040204" pitchFamily="34" charset="-120"/>
+              </a:rPr>
+              <a:t>主的愛永不改變</a:t>
+            </a:r>
+            <a:endParaRPr lang="en-US" altLang="zh-CN" sz="6400" b="1" dirty="0">
+              <a:solidFill>
+                <a:srgbClr val="000066"/>
+              </a:solidFill>
+              <a:ea typeface="Microsoft JhengHei" panose="020B0604030504040204" pitchFamily="34" charset="-120"/>
+            </a:endParaRPr>
+          </a:p>
+          <a:p>
+            <a:pPr marL="0" indent="0" algn="ctr">
+              <a:buNone/>
+            </a:pPr>
+            <a:r>
+              <a:rPr lang="zh-CN" altLang="en-US" sz="6400" b="1" dirty="0">
+                <a:solidFill>
+                  <a:srgbClr val="000066"/>
+                </a:solidFill>
+                <a:ea typeface="Microsoft JhengHei" panose="020B0604030504040204" pitchFamily="34" charset="-120"/>
+              </a:rPr>
+              <a:t>主的愛永不改變</a:t>
+            </a:r>
+            <a:endParaRPr lang="vi-VN" sz="6400" b="1" dirty="0">
+              <a:solidFill>
+                <a:srgbClr val="000066"/>
+              </a:solidFill>
+              <a:ea typeface="Microsoft JhengHei" panose="020B0604030504040204" pitchFamily="34" charset="-120"/>
+            </a:endParaRPr>
+          </a:p>
+        </p:txBody>
+      </p:sp>
+      <p:sp>
+        <p:nvSpPr>
+          <p:cNvPr id="3" name="TextBox 2"/>
+          <p:cNvSpPr txBox="1"/>
+          <p:nvPr/>
+        </p:nvSpPr>
+        <p:spPr>
+          <a:xfrm>
+            <a:off x="0" y="5061182"/>
+            <a:ext cx="12192000" cy="830997"/>
+          </a:xfrm>
+          <a:prstGeom prst="rect">
+            <a:avLst/>
+          </a:prstGeom>
+          <a:noFill/>
+        </p:spPr>
+        <p:txBody>
+          <a:bodyPr wrap="square" rtlCol="0">
+            <a:spAutoFit/>
+          </a:bodyPr>
+          <a:lstStyle/>
+          <a:p>
+            <a:pPr algn="ctr"/>
+            <a:r>
+              <a:rPr lang="en-US" sz="4800" b="1" dirty="0">
+                <a:solidFill>
+                  <a:srgbClr val="000066"/>
+                </a:solidFill>
+              </a:rPr>
+              <a:t>( 3 / 3 )</a:t>
+            </a:r>
+            <a:endParaRPr lang="vi-VN" sz="4800" b="1" dirty="0">
+              <a:solidFill>
+                <a:srgbClr val="000066"/>
+              </a:solidFill>
+            </a:endParaRPr>
+          </a:p>
+        </p:txBody>
+      </p:sp>
+    </p:spTree>
+    <p:extLst>
+      <p:ext uri="{BB962C8B-B14F-4D97-AF65-F5344CB8AC3E}">
+        <p14:creationId xmlns:p14="http://schemas.microsoft.com/office/powerpoint/2010/main" val="1814743471"/>
+      </p:ext>
+    </p:extLst>
+  </p:cSld>
+  <p:clrMapOvr>
+    <a:masterClrMapping/>
+  </p:clrMapOvr>
+  <p:timing>
+    <p:tnLst>
+      <p:par>
+        <p:cTn id="1" dur="indefinite" restart="never" nodeType="tmRoot"/>
+      </p:par>
+    </p:tnLst>
+  </p:timing>
+</p:sld>
+</file>
+
+<file path=ppt/slides/slide13.xml><?xml version="1.0" encoding="utf-8"?>
+<p:sld xmlns:a="http://schemas.openxmlformats.org/drawingml/2006/main" xmlns:r="http://schemas.openxmlformats.org/officeDocument/2006/relationships" xmlns:p="http://schemas.openxmlformats.org/presentationml/2006/main">
+  <p:cSld>
+    <p:spTree>
+      <p:nvGrpSpPr>
+        <p:cNvPr id="1" name=""/>
+        <p:cNvGrpSpPr/>
+        <p:nvPr/>
+      </p:nvGrpSpPr>
+      <p:grpSpPr>
+        <a:xfrm>
+          <a:off x="0" y="0"/>
+          <a:ext cx="0" cy="0"/>
+          <a:chOff x="0" y="0"/>
+          <a:chExt cx="0" cy="0"/>
+        </a:xfrm>
+      </p:grpSpPr>
+      <p:sp>
+        <p:nvSpPr>
+          <p:cNvPr id="5" name="內容版面配置區 4"/>
+          <p:cNvSpPr>
+            <a:spLocks noGrp="1"/>
+          </p:cNvSpPr>
+          <p:nvPr>
+            <p:ph idx="1"/>
+          </p:nvPr>
+        </p:nvSpPr>
+        <p:spPr>
+          <a:xfrm>
+            <a:off x="0" y="2084851"/>
+            <a:ext cx="12192000" cy="2404863"/>
+          </a:xfrm>
+        </p:spPr>
+        <p:txBody>
+          <a:bodyPr anchor="ctr">
+            <a:normAutofit/>
+          </a:bodyPr>
+          <a:lstStyle/>
+          <a:p>
+            <a:pPr marL="0" indent="0" algn="ctr">
+              <a:buNone/>
+            </a:pPr>
+            <a:r>
+              <a:rPr lang="zh-CN" altLang="en-US" sz="6400" b="1" dirty="0">
+                <a:solidFill>
+                  <a:srgbClr val="000066"/>
+                </a:solidFill>
+                <a:ea typeface="Microsoft JhengHei" panose="020B0604030504040204" pitchFamily="34" charset="-120"/>
+              </a:rPr>
+              <a:t>從永遠到永遠  我要歡聲稱頌</a:t>
+            </a:r>
+            <a:endParaRPr lang="en-US" altLang="zh-CN" sz="6400" b="1" dirty="0">
+              <a:solidFill>
+                <a:srgbClr val="000066"/>
+              </a:solidFill>
+              <a:ea typeface="Microsoft JhengHei" panose="020B0604030504040204" pitchFamily="34" charset="-120"/>
+            </a:endParaRPr>
+          </a:p>
+          <a:p>
+            <a:pPr marL="0" indent="0" algn="ctr">
+              <a:buNone/>
+            </a:pPr>
+            <a:r>
+              <a:rPr lang="zh-CN" altLang="en-US" sz="6400" b="1" dirty="0">
+                <a:solidFill>
+                  <a:srgbClr val="000066"/>
+                </a:solidFill>
+                <a:ea typeface="Microsoft JhengHei" panose="020B0604030504040204" pitchFamily="34" charset="-120"/>
+              </a:rPr>
+              <a:t>主的愛永不改變</a:t>
+            </a:r>
+            <a:endParaRPr lang="vi-VN" sz="6400" b="1" dirty="0">
+              <a:solidFill>
+                <a:srgbClr val="000066"/>
+              </a:solidFill>
+              <a:ea typeface="Microsoft JhengHei" panose="020B0604030504040204" pitchFamily="34" charset="-120"/>
+            </a:endParaRPr>
+          </a:p>
+        </p:txBody>
+      </p:sp>
+      <p:sp>
+        <p:nvSpPr>
+          <p:cNvPr id="3" name="TextBox 2"/>
+          <p:cNvSpPr txBox="1"/>
+          <p:nvPr/>
+        </p:nvSpPr>
+        <p:spPr>
+          <a:xfrm>
+            <a:off x="0" y="5061182"/>
+            <a:ext cx="12192000" cy="830997"/>
+          </a:xfrm>
+          <a:prstGeom prst="rect">
+            <a:avLst/>
+          </a:prstGeom>
+          <a:noFill/>
+        </p:spPr>
+        <p:txBody>
+          <a:bodyPr wrap="square" rtlCol="0">
+            <a:spAutoFit/>
+          </a:bodyPr>
+          <a:lstStyle/>
+          <a:p>
+            <a:pPr algn="ctr"/>
+            <a:r>
+              <a:rPr lang="en-US" sz="4800" b="1" dirty="0">
+                <a:solidFill>
+                  <a:srgbClr val="000066"/>
+                </a:solidFill>
+              </a:rPr>
+              <a:t>( 3 / 3 )</a:t>
+            </a:r>
+            <a:endParaRPr lang="vi-VN" sz="4800" b="1" dirty="0">
+              <a:solidFill>
+                <a:srgbClr val="000066"/>
+              </a:solidFill>
+            </a:endParaRPr>
+          </a:p>
+        </p:txBody>
+      </p:sp>
+    </p:spTree>
+    <p:extLst>
+      <p:ext uri="{BB962C8B-B14F-4D97-AF65-F5344CB8AC3E}">
+        <p14:creationId xmlns:p14="http://schemas.microsoft.com/office/powerpoint/2010/main" val="3704921448"/>
+      </p:ext>
+    </p:extLst>
+  </p:cSld>
+  <p:clrMapOvr>
+    <a:masterClrMapping/>
+  </p:clrMapOvr>
+  <p:timing>
+    <p:tnLst>
+      <p:par>
+        <p:cTn id="1" dur="indefinite" restart="never" nodeType="tmRoot"/>
+      </p:par>
+    </p:tnLst>
+  </p:timing>
 </p:sld>
 </file>
 
@@ -3375,184 +3856,81 @@
       </p:grpSpPr>
       <p:sp>
         <p:nvSpPr>
-          <p:cNvPr id="2" name="Title 1"/>
-          <p:cNvSpPr>
-            <a:spLocks noGrp="1"/>
-          </p:cNvSpPr>
-          <p:nvPr>
-            <p:ph type="title"/>
-          </p:nvPr>
-        </p:nvSpPr>
-        <p:spPr/>
-        <p:txBody>
-          <a:bodyPr>
+          <p:cNvPr id="5" name="內容版面配置區 4"/>
+          <p:cNvSpPr>
+            <a:spLocks noGrp="1"/>
+          </p:cNvSpPr>
+          <p:nvPr>
+            <p:ph idx="1"/>
+          </p:nvPr>
+        </p:nvSpPr>
+        <p:spPr>
+          <a:xfrm>
+            <a:off x="0" y="2084851"/>
+            <a:ext cx="12192000" cy="2404863"/>
+          </a:xfrm>
+        </p:spPr>
+        <p:txBody>
+          <a:bodyPr anchor="ctr">
             <a:normAutofit/>
           </a:bodyPr>
           <a:lstStyle/>
           <a:p>
-            <a:r>
-              <a:rPr lang="zh-CN" altLang="en-US" sz="4800" b="1" dirty="0" smtClean="0">
-                <a:solidFill>
-                  <a:srgbClr val="002060"/>
+            <a:pPr marL="0" indent="0" algn="ctr">
+              <a:buNone/>
+            </a:pPr>
+            <a:r>
+              <a:rPr lang="zh-CN" altLang="en-US" sz="6400" b="1" dirty="0">
+                <a:solidFill>
+                  <a:srgbClr val="000066"/>
                 </a:solidFill>
                 <a:latin typeface="Microsoft JhengHei" panose="020B0604030504040204" pitchFamily="34" charset="-120"/>
                 <a:ea typeface="Microsoft JhengHei" panose="020B0604030504040204" pitchFamily="34" charset="-120"/>
               </a:rPr>
-              <a:t>歌頌主愛</a:t>
-            </a:r>
-            <a:endParaRPr lang="vi-VN" sz="4800" b="1" dirty="0">
+              <a:t>我要頌主大慈愛  口舌永說不盡</a:t>
+            </a:r>
+            <a:endParaRPr lang="en-US" altLang="zh-CN" sz="6400" b="1" dirty="0">
               <a:solidFill>
-                <a:srgbClr val="002060"/>
+                <a:srgbClr val="000066"/>
               </a:solidFill>
+              <a:latin typeface="Microsoft JhengHei" panose="020B0604030504040204" pitchFamily="34" charset="-120"/>
               <a:ea typeface="Microsoft JhengHei" panose="020B0604030504040204" pitchFamily="34" charset="-120"/>
             </a:endParaRPr>
           </a:p>
-        </p:txBody>
-      </p:sp>
-      <p:sp>
-        <p:nvSpPr>
-          <p:cNvPr id="3" name="Content Placeholder 2"/>
-          <p:cNvSpPr>
-            <a:spLocks noGrp="1"/>
-          </p:cNvSpPr>
-          <p:nvPr>
-            <p:ph idx="1"/>
-          </p:nvPr>
-        </p:nvSpPr>
-        <p:spPr/>
-        <p:txBody>
-          <a:bodyPr>
-            <a:normAutofit/>
-          </a:bodyPr>
-          <a:lstStyle/>
           <a:p>
             <a:pPr marL="0" indent="0" algn="ctr">
               <a:buNone/>
             </a:pPr>
             <a:r>
-              <a:rPr lang="zh-CN" altLang="en-US" sz="5400" b="1" dirty="0" smtClean="0">
-                <a:solidFill>
-                  <a:srgbClr val="002060"/>
-                </a:solidFill>
+              <a:rPr lang="zh-CN" altLang="en-US" sz="6400" b="1" dirty="0">
+                <a:solidFill>
+                  <a:srgbClr val="000066"/>
+                </a:solidFill>
+                <a:latin typeface="Microsoft JhengHei" panose="020B0604030504040204" pitchFamily="34" charset="-120"/>
                 <a:ea typeface="Microsoft JhengHei" panose="020B0604030504040204" pitchFamily="34" charset="-120"/>
               </a:rPr>
-              <a:t>主的愛滿足我心 </a:t>
-            </a:r>
-            <a:endParaRPr lang="en-US" altLang="zh-CN" sz="5400" b="1" dirty="0" smtClean="0">
+              <a:t>甘願担當我重刑  流血贖我罪身</a:t>
+            </a:r>
+            <a:endParaRPr lang="en-US" altLang="zh-CN" sz="6400" b="1" dirty="0">
               <a:solidFill>
-                <a:srgbClr val="002060"/>
+                <a:srgbClr val="000066"/>
               </a:solidFill>
+              <a:latin typeface="Microsoft JhengHei" panose="020B0604030504040204" pitchFamily="34" charset="-120"/>
               <a:ea typeface="Microsoft JhengHei" panose="020B0604030504040204" pitchFamily="34" charset="-120"/>
             </a:endParaRPr>
           </a:p>
-          <a:p>
-            <a:pPr marL="0" indent="0" algn="ctr">
-              <a:buNone/>
-            </a:pPr>
-            <a:r>
-              <a:rPr lang="zh-CN" altLang="en-US" sz="5400" b="1" dirty="0" smtClean="0">
-                <a:solidFill>
-                  <a:srgbClr val="002060"/>
-                </a:solidFill>
-                <a:ea typeface="Microsoft JhengHei" panose="020B0604030504040204" pitchFamily="34" charset="-120"/>
-              </a:rPr>
-              <a:t>主的愛</a:t>
-            </a:r>
-            <a:r>
-              <a:rPr lang="zh-CN" altLang="en-US" sz="5400" b="1" dirty="0">
-                <a:solidFill>
-                  <a:srgbClr val="002060"/>
-                </a:solidFill>
-                <a:ea typeface="Microsoft JhengHei" panose="020B0604030504040204" pitchFamily="34" charset="-120"/>
-              </a:rPr>
-              <a:t>滿足我</a:t>
-            </a:r>
-            <a:r>
-              <a:rPr lang="zh-CN" altLang="en-US" sz="5400" b="1" dirty="0" smtClean="0">
-                <a:solidFill>
-                  <a:srgbClr val="002060"/>
-                </a:solidFill>
-                <a:ea typeface="Microsoft JhengHei" panose="020B0604030504040204" pitchFamily="34" charset="-120"/>
-              </a:rPr>
-              <a:t>心</a:t>
-            </a:r>
-            <a:endParaRPr lang="en-US" altLang="zh-CN" sz="5400" b="1" dirty="0" smtClean="0">
-              <a:solidFill>
-                <a:srgbClr val="002060"/>
-              </a:solidFill>
-              <a:ea typeface="Microsoft JhengHei" panose="020B0604030504040204" pitchFamily="34" charset="-120"/>
-            </a:endParaRPr>
-          </a:p>
-          <a:p>
-            <a:pPr marL="0" indent="0" algn="ctr">
-              <a:buNone/>
-            </a:pPr>
-            <a:r>
-              <a:rPr lang="zh-CN" altLang="en-US" sz="5400" b="1" dirty="0">
-                <a:solidFill>
-                  <a:srgbClr val="002060"/>
-                </a:solidFill>
-                <a:ea typeface="Microsoft JhengHei" panose="020B0604030504040204" pitchFamily="34" charset="-120"/>
-              </a:rPr>
-              <a:t>何等長闊高</a:t>
-            </a:r>
-            <a:r>
-              <a:rPr lang="zh-CN" altLang="en-US" sz="5400" b="1" dirty="0" smtClean="0">
-                <a:solidFill>
-                  <a:srgbClr val="002060"/>
-                </a:solidFill>
-                <a:ea typeface="Microsoft JhengHei" panose="020B0604030504040204" pitchFamily="34" charset="-120"/>
-              </a:rPr>
-              <a:t>深  令我稱頌歡欣</a:t>
-            </a:r>
-            <a:endParaRPr lang="en-US" altLang="zh-CN" sz="5400" b="1" dirty="0" smtClean="0">
-              <a:solidFill>
-                <a:srgbClr val="002060"/>
-              </a:solidFill>
-              <a:ea typeface="Microsoft JhengHei" panose="020B0604030504040204" pitchFamily="34" charset="-120"/>
-            </a:endParaRPr>
-          </a:p>
-          <a:p>
-            <a:pPr marL="0" indent="0" algn="ctr">
-              <a:buNone/>
-            </a:pPr>
-            <a:r>
-              <a:rPr lang="zh-CN" altLang="en-US" sz="5400" b="1" dirty="0">
-                <a:solidFill>
-                  <a:srgbClr val="002060"/>
-                </a:solidFill>
-                <a:ea typeface="Microsoft JhengHei" panose="020B0604030504040204" pitchFamily="34" charset="-120"/>
-              </a:rPr>
-              <a:t>主的愛滿足我</a:t>
-            </a:r>
-            <a:r>
-              <a:rPr lang="zh-CN" altLang="en-US" sz="5400" b="1" dirty="0" smtClean="0">
-                <a:solidFill>
-                  <a:srgbClr val="002060"/>
-                </a:solidFill>
-                <a:ea typeface="Microsoft JhengHei" panose="020B0604030504040204" pitchFamily="34" charset="-120"/>
-              </a:rPr>
-              <a:t>心</a:t>
-            </a:r>
-            <a:endParaRPr lang="en-US" altLang="zh-CN" sz="5400" b="1" dirty="0">
-              <a:solidFill>
-                <a:srgbClr val="002060"/>
-              </a:solidFill>
-              <a:ea typeface="Microsoft JhengHei" panose="020B0604030504040204" pitchFamily="34" charset="-120"/>
-            </a:endParaRPr>
-          </a:p>
-        </p:txBody>
-      </p:sp>
-      <p:sp>
-        <p:nvSpPr>
-          <p:cNvPr id="4" name="TextBox 3"/>
+        </p:txBody>
+      </p:sp>
+      <p:sp>
+        <p:nvSpPr>
+          <p:cNvPr id="3" name="TextBox 2"/>
           <p:cNvSpPr txBox="1"/>
           <p:nvPr/>
         </p:nvSpPr>
         <p:spPr>
           <a:xfrm>
-            <a:off x="134112" y="1770889"/>
-            <a:ext cx="743712" cy="830997"/>
+            <a:off x="0" y="5061182"/>
+            <a:ext cx="12192000" cy="830997"/>
           </a:xfrm>
           <a:prstGeom prst="rect">
             <a:avLst/>
@@ -3565,17 +3943,18 @@
           </a:bodyPr>
           <a:lstStyle/>
           <a:p>
-            <a:r>
-              <a:rPr lang="en-US" sz="4800" b="1" dirty="0" smtClean="0">
-                <a:solidFill>
-                  <a:srgbClr val="002060"/>
+            <a:pPr algn="ctr"/>
+            <a:r>
+              <a:rPr lang="en-US" sz="4800" b="1" dirty="0">
+                <a:solidFill>
+                  <a:srgbClr val="000066"/>
                 </a:solidFill>
               </a:rPr>
-              <a:t>1.</a:t>
+              <a:t>( 1 / 3 )</a:t>
             </a:r>
             <a:endParaRPr lang="vi-VN" sz="4800" b="1" dirty="0">
               <a:solidFill>
-                <a:srgbClr val="002060"/>
+                <a:srgbClr val="000066"/>
               </a:solidFill>
             </a:endParaRPr>
           </a:p>
@@ -3584,13 +3963,20 @@
     </p:spTree>
     <p:extLst>
       <p:ext uri="{BB962C8B-B14F-4D97-AF65-F5344CB8AC3E}">
-        <p14:creationId xmlns:p14="http://schemas.microsoft.com/office/powerpoint/2010/main" val="1634856712"/>
+        <p14:creationId xmlns:p14="http://schemas.microsoft.com/office/powerpoint/2010/main" val="474058318"/>
       </p:ext>
     </p:extLst>
   </p:cSld>
   <p:clrMapOvr>
     <a:masterClrMapping/>
   </p:clrMapOvr>
+  <p:timing>
+    <p:tnLst>
+      <p:par>
+        <p:cTn id="1" dur="indefinite" restart="never" nodeType="tmRoot"/>
+      </p:par>
+    </p:tnLst>
+  </p:timing>
 </p:sld>
 </file>
 
@@ -3613,113 +3999,42 @@
       </p:grpSpPr>
       <p:sp>
         <p:nvSpPr>
-          <p:cNvPr id="2" name="Title 1"/>
-          <p:cNvSpPr>
-            <a:spLocks noGrp="1"/>
-          </p:cNvSpPr>
-          <p:nvPr>
-            <p:ph type="title"/>
-          </p:nvPr>
-        </p:nvSpPr>
-        <p:spPr/>
-        <p:txBody>
-          <a:bodyPr>
+          <p:cNvPr id="5" name="內容版面配置區 4"/>
+          <p:cNvSpPr>
+            <a:spLocks noGrp="1"/>
+          </p:cNvSpPr>
+          <p:nvPr>
+            <p:ph idx="1"/>
+          </p:nvPr>
+        </p:nvSpPr>
+        <p:spPr>
+          <a:xfrm>
+            <a:off x="0" y="2084851"/>
+            <a:ext cx="12192000" cy="2404863"/>
+          </a:xfrm>
+        </p:spPr>
+        <p:txBody>
+          <a:bodyPr anchor="ctr">
             <a:normAutofit/>
           </a:bodyPr>
           <a:lstStyle/>
           <a:p>
-            <a:r>
-              <a:rPr lang="zh-CN" altLang="en-US" sz="4800" b="1" dirty="0" smtClean="0">
-                <a:solidFill>
-                  <a:srgbClr val="002060"/>
+            <a:pPr marL="0" indent="0" algn="ctr">
+              <a:buNone/>
+            </a:pPr>
+            <a:r>
+              <a:rPr lang="zh-CN" altLang="en-US" sz="6400" b="1" dirty="0">
+                <a:solidFill>
+                  <a:srgbClr val="000066"/>
                 </a:solidFill>
                 <a:latin typeface="Microsoft JhengHei" panose="020B0604030504040204" pitchFamily="34" charset="-120"/>
                 <a:ea typeface="Microsoft JhengHei" panose="020B0604030504040204" pitchFamily="34" charset="-120"/>
               </a:rPr>
-              <a:t>歌頌主愛</a:t>
-            </a:r>
-            <a:endParaRPr lang="vi-VN" sz="4800" b="1" dirty="0">
+              <a:t>將我污穢洗白淨  日與父神親近</a:t>
+            </a:r>
+            <a:endParaRPr lang="en-US" altLang="zh-CN" sz="6400" b="1" dirty="0">
               <a:solidFill>
-                <a:srgbClr val="002060"/>
-              </a:solidFill>
-              <a:ea typeface="Microsoft JhengHei" panose="020B0604030504040204" pitchFamily="34" charset="-120"/>
-            </a:endParaRPr>
-          </a:p>
-        </p:txBody>
-      </p:sp>
-      <p:sp>
-        <p:nvSpPr>
-          <p:cNvPr id="3" name="Content Placeholder 2"/>
-          <p:cNvSpPr>
-            <a:spLocks noGrp="1"/>
-          </p:cNvSpPr>
-          <p:nvPr>
-            <p:ph idx="1"/>
-          </p:nvPr>
-        </p:nvSpPr>
-        <p:spPr/>
-        <p:txBody>
-          <a:bodyPr>
-            <a:normAutofit/>
-          </a:bodyPr>
-          <a:lstStyle/>
-          <a:p>
-            <a:pPr marL="0" indent="0" algn="ctr">
-              <a:buNone/>
-            </a:pPr>
-            <a:r>
-              <a:rPr lang="zh-CN" altLang="en-US" sz="5400" b="1" dirty="0" smtClean="0">
-                <a:solidFill>
-                  <a:srgbClr val="002060"/>
-                </a:solidFill>
-                <a:latin typeface="Microsoft JhengHei" panose="020B0604030504040204" pitchFamily="34" charset="-120"/>
-                <a:ea typeface="Microsoft JhengHei" panose="020B0604030504040204" pitchFamily="34" charset="-120"/>
-              </a:rPr>
-              <a:t>我</a:t>
-            </a:r>
-            <a:r>
-              <a:rPr lang="zh-CN" altLang="en-US" sz="5400" b="1" dirty="0" smtClean="0">
-                <a:solidFill>
-                  <a:srgbClr val="002060"/>
-                </a:solidFill>
-                <a:latin typeface="Microsoft JhengHei" panose="020B0604030504040204" pitchFamily="34" charset="-120"/>
-                <a:ea typeface="Microsoft JhengHei" panose="020B0604030504040204" pitchFamily="34" charset="-120"/>
-              </a:rPr>
-              <a:t>要頌</a:t>
-            </a:r>
-            <a:r>
-              <a:rPr lang="zh-CN" altLang="en-US" sz="5400" b="1" dirty="0" smtClean="0">
-                <a:solidFill>
-                  <a:srgbClr val="002060"/>
-                </a:solidFill>
-                <a:latin typeface="Microsoft JhengHei" panose="020B0604030504040204" pitchFamily="34" charset="-120"/>
-                <a:ea typeface="Microsoft JhengHei" panose="020B0604030504040204" pitchFamily="34" charset="-120"/>
-              </a:rPr>
-              <a:t>主大</a:t>
-            </a:r>
-            <a:r>
-              <a:rPr lang="zh-CN" altLang="en-US" sz="5400" b="1" dirty="0">
-                <a:solidFill>
-                  <a:srgbClr val="002060"/>
-                </a:solidFill>
-                <a:latin typeface="Microsoft JhengHei" panose="020B0604030504040204" pitchFamily="34" charset="-120"/>
-                <a:ea typeface="Microsoft JhengHei" panose="020B0604030504040204" pitchFamily="34" charset="-120"/>
-              </a:rPr>
-              <a:t>慈愛  與眾聖</a:t>
-            </a:r>
-            <a:r>
-              <a:rPr lang="zh-CN" altLang="en-US" sz="5400" b="1" dirty="0" smtClean="0">
-                <a:solidFill>
-                  <a:srgbClr val="002060"/>
-                </a:solidFill>
-                <a:latin typeface="Microsoft JhengHei" panose="020B0604030504040204" pitchFamily="34" charset="-120"/>
-                <a:ea typeface="Microsoft JhengHei" panose="020B0604030504040204" pitchFamily="34" charset="-120"/>
-              </a:rPr>
-              <a:t>同歌吟</a:t>
-            </a:r>
-            <a:endParaRPr lang="en-US" altLang="zh-CN" sz="5400" b="1" dirty="0" smtClean="0">
-              <a:solidFill>
-                <a:srgbClr val="002060"/>
+                <a:srgbClr val="000066"/>
               </a:solidFill>
               <a:latin typeface="Microsoft JhengHei" panose="020B0604030504040204" pitchFamily="34" charset="-120"/>
               <a:ea typeface="Microsoft JhengHei" panose="020B0604030504040204" pitchFamily="34" charset="-120"/>
@@ -3730,112 +4045,18 @@
               <a:buNone/>
             </a:pPr>
             <a:r>
-              <a:rPr lang="zh-CN" altLang="en-US" sz="5400" b="1" dirty="0">
-                <a:solidFill>
-                  <a:srgbClr val="002060"/>
+              <a:rPr lang="zh-CN" altLang="en-US" sz="6400" b="1" dirty="0">
+                <a:solidFill>
+                  <a:srgbClr val="000066"/>
                 </a:solidFill>
                 <a:latin typeface="Microsoft JhengHei" panose="020B0604030504040204" pitchFamily="34" charset="-120"/>
                 <a:ea typeface="Microsoft JhengHei" panose="020B0604030504040204" pitchFamily="34" charset="-120"/>
               </a:rPr>
-              <a:t>欣感主愛激勵我  滿心火熱如</a:t>
-            </a:r>
-            <a:r>
-              <a:rPr lang="zh-CN" altLang="en-US" sz="5400" b="1" dirty="0" smtClean="0">
-                <a:solidFill>
-                  <a:srgbClr val="002060"/>
-                </a:solidFill>
-                <a:latin typeface="Microsoft JhengHei" panose="020B0604030504040204" pitchFamily="34" charset="-120"/>
-                <a:ea typeface="Microsoft JhengHei" panose="020B0604030504040204" pitchFamily="34" charset="-120"/>
-              </a:rPr>
-              <a:t>焚</a:t>
-            </a:r>
-            <a:endParaRPr lang="en-US" altLang="zh-CN" sz="5400" b="1" dirty="0" smtClean="0">
+              <a:t>身靈安居主愛裏  永遠滿足我心</a:t>
+            </a:r>
+            <a:endParaRPr lang="vi-VN" sz="6400" b="1" dirty="0">
               <a:solidFill>
-                <a:srgbClr val="002060"/>
-              </a:solidFill>
-              <a:latin typeface="Microsoft JhengHei" panose="020B0604030504040204" pitchFamily="34" charset="-120"/>
-              <a:ea typeface="Microsoft JhengHei" panose="020B0604030504040204" pitchFamily="34" charset="-120"/>
-            </a:endParaRPr>
-          </a:p>
-          <a:p>
-            <a:pPr marL="0" indent="0" algn="ctr">
-              <a:buNone/>
-            </a:pPr>
-            <a:r>
-              <a:rPr lang="zh-CN" altLang="en-US" sz="5400" b="1" dirty="0">
-                <a:solidFill>
-                  <a:srgbClr val="002060"/>
-                </a:solidFill>
-                <a:latin typeface="Microsoft JhengHei" panose="020B0604030504040204" pitchFamily="34" charset="-120"/>
-                <a:ea typeface="Microsoft JhengHei" panose="020B0604030504040204" pitchFamily="34" charset="-120"/>
-              </a:rPr>
-              <a:t>甘</a:t>
-            </a:r>
-            <a:r>
-              <a:rPr lang="zh-CN" altLang="en-US" sz="5400" b="1" dirty="0" smtClean="0">
-                <a:solidFill>
-                  <a:srgbClr val="002060"/>
-                </a:solidFill>
-                <a:latin typeface="Microsoft JhengHei" panose="020B0604030504040204" pitchFamily="34" charset="-120"/>
-                <a:ea typeface="Microsoft JhengHei" panose="020B0604030504040204" pitchFamily="34" charset="-120"/>
-              </a:rPr>
-              <a:t>願與我為密友</a:t>
-            </a:r>
-            <a:r>
-              <a:rPr lang="en-US" altLang="zh-CN" sz="5400" b="1" dirty="0">
-                <a:solidFill>
-                  <a:srgbClr val="002060"/>
-                </a:solidFill>
-                <a:latin typeface="Microsoft JhengHei" panose="020B0604030504040204" pitchFamily="34" charset="-120"/>
-                <a:ea typeface="Microsoft JhengHei" panose="020B0604030504040204" pitchFamily="34" charset="-120"/>
-              </a:rPr>
-              <a:t> </a:t>
-            </a:r>
-            <a:r>
-              <a:rPr lang="en-US" altLang="zh-CN" sz="5400" b="1" dirty="0" smtClean="0">
-                <a:solidFill>
-                  <a:srgbClr val="002060"/>
-                </a:solidFill>
-                <a:latin typeface="Microsoft JhengHei" panose="020B0604030504040204" pitchFamily="34" charset="-120"/>
-                <a:ea typeface="Microsoft JhengHei" panose="020B0604030504040204" pitchFamily="34" charset="-120"/>
-              </a:rPr>
-              <a:t> </a:t>
-            </a:r>
-            <a:r>
-              <a:rPr lang="zh-CN" altLang="en-US" sz="5400" b="1" dirty="0" smtClean="0">
-                <a:solidFill>
-                  <a:srgbClr val="002060"/>
-                </a:solidFill>
-                <a:latin typeface="Microsoft JhengHei" panose="020B0604030504040204" pitchFamily="34" charset="-120"/>
-                <a:ea typeface="Microsoft JhengHei" panose="020B0604030504040204" pitchFamily="34" charset="-120"/>
-              </a:rPr>
-              <a:t>彼此靈交日親  </a:t>
-            </a:r>
-            <a:endParaRPr lang="en-US" altLang="zh-CN" sz="5400" b="1" dirty="0" smtClean="0">
-              <a:solidFill>
-                <a:srgbClr val="002060"/>
-              </a:solidFill>
-              <a:latin typeface="Microsoft JhengHei" panose="020B0604030504040204" pitchFamily="34" charset="-120"/>
-              <a:ea typeface="Microsoft JhengHei" panose="020B0604030504040204" pitchFamily="34" charset="-120"/>
-            </a:endParaRPr>
-          </a:p>
-          <a:p>
-            <a:pPr marL="0" indent="0" algn="ctr">
-              <a:buNone/>
-            </a:pPr>
-            <a:r>
-              <a:rPr lang="zh-CN" altLang="en-US" sz="5400" b="1" dirty="0" smtClean="0">
-                <a:solidFill>
-                  <a:srgbClr val="002060"/>
-                </a:solidFill>
-                <a:latin typeface="Microsoft JhengHei" panose="020B0604030504040204" pitchFamily="34" charset="-120"/>
-                <a:ea typeface="Microsoft JhengHei" panose="020B0604030504040204" pitchFamily="34" charset="-120"/>
-              </a:rPr>
-              <a:t>情意最厚恩無盡  越久主愛越深</a:t>
-            </a:r>
-            <a:endParaRPr lang="vi-VN" sz="5400" b="1" dirty="0">
-              <a:solidFill>
-                <a:srgbClr val="002060"/>
+                <a:srgbClr val="000066"/>
               </a:solidFill>
               <a:ea typeface="Microsoft JhengHei" panose="020B0604030504040204" pitchFamily="34" charset="-120"/>
             </a:endParaRPr>
@@ -3844,14 +4065,14 @@
       </p:sp>
       <p:sp>
         <p:nvSpPr>
-          <p:cNvPr id="4" name="TextBox 3"/>
+          <p:cNvPr id="3" name="TextBox 2"/>
           <p:cNvSpPr txBox="1"/>
           <p:nvPr/>
         </p:nvSpPr>
         <p:spPr>
           <a:xfrm>
-            <a:off x="134112" y="1770889"/>
-            <a:ext cx="743712" cy="830997"/>
+            <a:off x="0" y="5061182"/>
+            <a:ext cx="12192000" cy="830997"/>
           </a:xfrm>
           <a:prstGeom prst="rect">
             <a:avLst/>
@@ -3864,25 +4085,18 @@
           </a:bodyPr>
           <a:lstStyle/>
           <a:p>
+            <a:pPr algn="ctr"/>
             <a:r>
               <a:rPr lang="en-US" sz="4800" b="1" dirty="0">
                 <a:solidFill>
-                  <a:srgbClr val="002060"/>
+                  <a:srgbClr val="000066"/>
                 </a:solidFill>
               </a:rPr>
-              <a:t>2</a:t>
-            </a:r>
-            <a:r>
-              <a:rPr lang="en-US" sz="4800" b="1" dirty="0" smtClean="0">
-                <a:solidFill>
-                  <a:srgbClr val="002060"/>
-                </a:solidFill>
-              </a:rPr>
-              <a:t>.</a:t>
+              <a:t>( 1 / 3 )</a:t>
             </a:r>
             <a:endParaRPr lang="vi-VN" sz="4800" b="1" dirty="0">
               <a:solidFill>
-                <a:srgbClr val="002060"/>
+                <a:srgbClr val="000066"/>
               </a:solidFill>
             </a:endParaRPr>
           </a:p>
@@ -3891,13 +4105,20 @@
     </p:spTree>
     <p:extLst>
       <p:ext uri="{BB962C8B-B14F-4D97-AF65-F5344CB8AC3E}">
-        <p14:creationId xmlns:p14="http://schemas.microsoft.com/office/powerpoint/2010/main" val="2794073709"/>
+        <p14:creationId xmlns:p14="http://schemas.microsoft.com/office/powerpoint/2010/main" val="2159593014"/>
       </p:ext>
     </p:extLst>
   </p:cSld>
   <p:clrMapOvr>
     <a:masterClrMapping/>
   </p:clrMapOvr>
+  <p:timing>
+    <p:tnLst>
+      <p:par>
+        <p:cTn id="1" dur="indefinite" restart="never" nodeType="tmRoot"/>
+      </p:par>
+    </p:tnLst>
+  </p:timing>
 </p:sld>
 </file>
 
@@ -3920,175 +4141,77 @@
       </p:grpSpPr>
       <p:sp>
         <p:nvSpPr>
-          <p:cNvPr id="2" name="Title 1"/>
-          <p:cNvSpPr>
-            <a:spLocks noGrp="1"/>
-          </p:cNvSpPr>
-          <p:nvPr>
-            <p:ph type="title"/>
-          </p:nvPr>
-        </p:nvSpPr>
-        <p:spPr/>
-        <p:txBody>
-          <a:bodyPr>
+          <p:cNvPr id="5" name="內容版面配置區 4"/>
+          <p:cNvSpPr>
+            <a:spLocks noGrp="1"/>
+          </p:cNvSpPr>
+          <p:nvPr>
+            <p:ph idx="1"/>
+          </p:nvPr>
+        </p:nvSpPr>
+        <p:spPr>
+          <a:xfrm>
+            <a:off x="0" y="2084851"/>
+            <a:ext cx="12192000" cy="2404863"/>
+          </a:xfrm>
+        </p:spPr>
+        <p:txBody>
+          <a:bodyPr anchor="ctr">
             <a:normAutofit/>
           </a:bodyPr>
           <a:lstStyle/>
           <a:p>
-            <a:r>
-              <a:rPr lang="zh-CN" altLang="en-US" sz="4800" b="1" dirty="0" smtClean="0">
-                <a:solidFill>
-                  <a:srgbClr val="002060"/>
-                </a:solidFill>
-                <a:latin typeface="Microsoft JhengHei" panose="020B0604030504040204" pitchFamily="34" charset="-120"/>
+            <a:pPr marL="0" indent="0" algn="ctr">
+              <a:buNone/>
+            </a:pPr>
+            <a:r>
+              <a:rPr lang="zh-CN" altLang="en-US" sz="6400" b="1" dirty="0">
+                <a:solidFill>
+                  <a:srgbClr val="000066"/>
+                </a:solidFill>
                 <a:ea typeface="Microsoft JhengHei" panose="020B0604030504040204" pitchFamily="34" charset="-120"/>
               </a:rPr>
-              <a:t>歌頌主愛</a:t>
-            </a:r>
-            <a:endParaRPr lang="vi-VN" sz="4800" b="1" dirty="0">
+              <a:t>主的愛滿足我心 </a:t>
+            </a:r>
+            <a:endParaRPr lang="en-US" altLang="zh-CN" sz="6400" b="1" dirty="0">
               <a:solidFill>
-                <a:srgbClr val="002060"/>
+                <a:srgbClr val="000066"/>
               </a:solidFill>
               <a:ea typeface="Microsoft JhengHei" panose="020B0604030504040204" pitchFamily="34" charset="-120"/>
             </a:endParaRPr>
           </a:p>
-        </p:txBody>
-      </p:sp>
-      <p:sp>
-        <p:nvSpPr>
-          <p:cNvPr id="3" name="Content Placeholder 2"/>
-          <p:cNvSpPr>
-            <a:spLocks noGrp="1"/>
-          </p:cNvSpPr>
-          <p:nvPr>
-            <p:ph idx="1"/>
-          </p:nvPr>
-        </p:nvSpPr>
-        <p:spPr/>
-        <p:txBody>
-          <a:bodyPr>
-            <a:normAutofit/>
-          </a:bodyPr>
-          <a:lstStyle/>
           <a:p>
             <a:pPr marL="0" indent="0" algn="ctr">
               <a:buNone/>
             </a:pPr>
             <a:r>
-              <a:rPr lang="zh-CN" altLang="en-US" sz="5400" b="1" dirty="0" smtClean="0">
-                <a:solidFill>
-                  <a:srgbClr val="002060"/>
+              <a:rPr lang="zh-CN" altLang="en-US" sz="6400" b="1" dirty="0">
+                <a:solidFill>
+                  <a:srgbClr val="000066"/>
                 </a:solidFill>
                 <a:ea typeface="Microsoft JhengHei" panose="020B0604030504040204" pitchFamily="34" charset="-120"/>
               </a:rPr>
-              <a:t>主的愛越久越深</a:t>
-            </a:r>
-            <a:endParaRPr lang="en-US" altLang="zh-CN" sz="5400" b="1" dirty="0" smtClean="0">
+              <a:t>主的愛滿足我心</a:t>
+            </a:r>
+            <a:endParaRPr lang="en-US" altLang="zh-CN" sz="6400" b="1" dirty="0">
               <a:solidFill>
-                <a:srgbClr val="002060"/>
+                <a:srgbClr val="000066"/>
               </a:solidFill>
               <a:ea typeface="Microsoft JhengHei" panose="020B0604030504040204" pitchFamily="34" charset="-120"/>
             </a:endParaRPr>
           </a:p>
-          <a:p>
-            <a:pPr marL="0" indent="0" algn="ctr">
-              <a:buNone/>
-            </a:pPr>
-            <a:r>
-              <a:rPr lang="zh-CN" altLang="en-US" sz="5400" b="1" dirty="0">
-                <a:solidFill>
-                  <a:srgbClr val="002060"/>
-                </a:solidFill>
-                <a:ea typeface="Microsoft JhengHei" panose="020B0604030504040204" pitchFamily="34" charset="-120"/>
-              </a:rPr>
-              <a:t>主的愛越久越</a:t>
-            </a:r>
-            <a:r>
-              <a:rPr lang="zh-CN" altLang="en-US" sz="5400" b="1" dirty="0" smtClean="0">
-                <a:solidFill>
-                  <a:srgbClr val="002060"/>
-                </a:solidFill>
-                <a:ea typeface="Microsoft JhengHei" panose="020B0604030504040204" pitchFamily="34" charset="-120"/>
-              </a:rPr>
-              <a:t>深</a:t>
-            </a:r>
-            <a:endParaRPr lang="en-US" altLang="zh-CN" sz="5400" b="1" dirty="0" smtClean="0">
-              <a:solidFill>
-                <a:srgbClr val="002060"/>
-              </a:solidFill>
-              <a:ea typeface="Microsoft JhengHei" panose="020B0604030504040204" pitchFamily="34" charset="-120"/>
-            </a:endParaRPr>
-          </a:p>
-          <a:p>
-            <a:pPr marL="0" indent="0" algn="ctr">
-              <a:buNone/>
-            </a:pPr>
-            <a:r>
-              <a:rPr lang="zh-CN" altLang="en-US" sz="5400" b="1" dirty="0">
-                <a:solidFill>
-                  <a:srgbClr val="002060"/>
-                </a:solidFill>
-                <a:ea typeface="Microsoft JhengHei" panose="020B0604030504040204" pitchFamily="34" charset="-120"/>
-              </a:rPr>
-              <a:t>猶</a:t>
-            </a:r>
-            <a:r>
-              <a:rPr lang="zh-CN" altLang="en-US" sz="5400" b="1" dirty="0" smtClean="0">
-                <a:solidFill>
-                  <a:srgbClr val="002060"/>
-                </a:solidFill>
-                <a:ea typeface="Microsoft JhengHei" panose="020B0604030504040204" pitchFamily="34" charset="-120"/>
-              </a:rPr>
-              <a:t>如大海汪洋  我要時時歌唱</a:t>
-            </a:r>
-            <a:endParaRPr lang="en-US" altLang="zh-CN" sz="5400" b="1" dirty="0" smtClean="0">
-              <a:solidFill>
-                <a:srgbClr val="002060"/>
-              </a:solidFill>
-              <a:ea typeface="Microsoft JhengHei" panose="020B0604030504040204" pitchFamily="34" charset="-120"/>
-            </a:endParaRPr>
-          </a:p>
-          <a:p>
-            <a:pPr marL="0" indent="0" algn="ctr">
-              <a:buNone/>
-            </a:pPr>
-            <a:r>
-              <a:rPr lang="zh-CN" altLang="en-US" sz="5400" b="1" dirty="0">
-                <a:solidFill>
-                  <a:srgbClr val="002060"/>
-                </a:solidFill>
-                <a:ea typeface="Microsoft JhengHei" panose="020B0604030504040204" pitchFamily="34" charset="-120"/>
-              </a:rPr>
-              <a:t>主的愛越久越</a:t>
-            </a:r>
-            <a:r>
-              <a:rPr lang="zh-CN" altLang="en-US" sz="5400" b="1" dirty="0" smtClean="0">
-                <a:solidFill>
-                  <a:srgbClr val="002060"/>
-                </a:solidFill>
-                <a:ea typeface="Microsoft JhengHei" panose="020B0604030504040204" pitchFamily="34" charset="-120"/>
-              </a:rPr>
-              <a:t>深</a:t>
-            </a:r>
-            <a:endParaRPr lang="en-US" altLang="zh-CN" sz="5400" b="1" dirty="0">
-              <a:solidFill>
-                <a:srgbClr val="002060"/>
-              </a:solidFill>
-              <a:ea typeface="Microsoft JhengHei" panose="020B0604030504040204" pitchFamily="34" charset="-120"/>
-            </a:endParaRPr>
-          </a:p>
-        </p:txBody>
-      </p:sp>
-      <p:sp>
-        <p:nvSpPr>
-          <p:cNvPr id="4" name="TextBox 3"/>
+        </p:txBody>
+      </p:sp>
+      <p:sp>
+        <p:nvSpPr>
+          <p:cNvPr id="3" name="TextBox 2"/>
           <p:cNvSpPr txBox="1"/>
           <p:nvPr/>
         </p:nvSpPr>
         <p:spPr>
           <a:xfrm>
-            <a:off x="134112" y="1770889"/>
-            <a:ext cx="743712" cy="830997"/>
+            <a:off x="0" y="5061182"/>
+            <a:ext cx="12192000" cy="830997"/>
           </a:xfrm>
           <a:prstGeom prst="rect">
             <a:avLst/>
@@ -4101,25 +4224,18 @@
           </a:bodyPr>
           <a:lstStyle/>
           <a:p>
+            <a:pPr algn="ctr"/>
             <a:r>
               <a:rPr lang="en-US" sz="4800" b="1" dirty="0">
                 <a:solidFill>
-                  <a:srgbClr val="002060"/>
+                  <a:srgbClr val="000066"/>
                 </a:solidFill>
               </a:rPr>
-              <a:t>2</a:t>
-            </a:r>
-            <a:r>
-              <a:rPr lang="en-US" sz="4800" b="1" dirty="0" smtClean="0">
-                <a:solidFill>
-                  <a:srgbClr val="002060"/>
-                </a:solidFill>
-              </a:rPr>
-              <a:t>.</a:t>
+              <a:t>( 1 / 3 )</a:t>
             </a:r>
             <a:endParaRPr lang="vi-VN" sz="4800" b="1" dirty="0">
               <a:solidFill>
-                <a:srgbClr val="002060"/>
+                <a:srgbClr val="000066"/>
               </a:solidFill>
             </a:endParaRPr>
           </a:p>
@@ -4128,13 +4244,20 @@
     </p:spTree>
     <p:extLst>
       <p:ext uri="{BB962C8B-B14F-4D97-AF65-F5344CB8AC3E}">
-        <p14:creationId xmlns:p14="http://schemas.microsoft.com/office/powerpoint/2010/main" val="253004826"/>
+        <p14:creationId xmlns:p14="http://schemas.microsoft.com/office/powerpoint/2010/main" val="2692791595"/>
       </p:ext>
     </p:extLst>
   </p:cSld>
   <p:clrMapOvr>
     <a:masterClrMapping/>
   </p:clrMapOvr>
+  <p:timing>
+    <p:tnLst>
+      <p:par>
+        <p:cTn id="1" dur="indefinite" restart="never" nodeType="tmRoot"/>
+      </p:par>
+    </p:tnLst>
+  </p:timing>
 </p:sld>
 </file>
 
@@ -4157,189 +4280,61 @@
       </p:grpSpPr>
       <p:sp>
         <p:nvSpPr>
-          <p:cNvPr id="2" name="Title 1"/>
-          <p:cNvSpPr>
-            <a:spLocks noGrp="1"/>
-          </p:cNvSpPr>
-          <p:nvPr>
-            <p:ph type="title"/>
-          </p:nvPr>
-        </p:nvSpPr>
-        <p:spPr/>
-        <p:txBody>
-          <a:bodyPr>
+          <p:cNvPr id="5" name="內容版面配置區 4"/>
+          <p:cNvSpPr>
+            <a:spLocks noGrp="1"/>
+          </p:cNvSpPr>
+          <p:nvPr>
+            <p:ph idx="1"/>
+          </p:nvPr>
+        </p:nvSpPr>
+        <p:spPr>
+          <a:xfrm>
+            <a:off x="0" y="2084851"/>
+            <a:ext cx="12192000" cy="2404863"/>
+          </a:xfrm>
+        </p:spPr>
+        <p:txBody>
+          <a:bodyPr anchor="ctr">
             <a:normAutofit/>
           </a:bodyPr>
           <a:lstStyle/>
           <a:p>
-            <a:r>
-              <a:rPr lang="zh-CN" altLang="en-US" sz="4800" b="1" dirty="0" smtClean="0">
-                <a:solidFill>
-                  <a:srgbClr val="002060"/>
-                </a:solidFill>
-                <a:latin typeface="Microsoft JhengHei" panose="020B0604030504040204" pitchFamily="34" charset="-120"/>
+            <a:pPr marL="0" indent="0" algn="ctr">
+              <a:buNone/>
+            </a:pPr>
+            <a:r>
+              <a:rPr lang="zh-CN" altLang="en-US" sz="6400" b="1" dirty="0">
+                <a:solidFill>
+                  <a:srgbClr val="000066"/>
+                </a:solidFill>
                 <a:ea typeface="Microsoft JhengHei" panose="020B0604030504040204" pitchFamily="34" charset="-120"/>
               </a:rPr>
-              <a:t>歌頌主愛</a:t>
-            </a:r>
-            <a:endParaRPr lang="vi-VN" sz="4800" b="1" dirty="0">
+              <a:t>何等長闊高深   令我稱頌歡欣</a:t>
+            </a:r>
+            <a:endParaRPr lang="en-US" altLang="zh-CN" sz="6400" b="1" dirty="0">
               <a:solidFill>
-                <a:srgbClr val="002060"/>
+                <a:srgbClr val="000066"/>
               </a:solidFill>
               <a:ea typeface="Microsoft JhengHei" panose="020B0604030504040204" pitchFamily="34" charset="-120"/>
             </a:endParaRPr>
           </a:p>
-        </p:txBody>
-      </p:sp>
-      <p:sp>
-        <p:nvSpPr>
-          <p:cNvPr id="3" name="Content Placeholder 2"/>
-          <p:cNvSpPr>
-            <a:spLocks noGrp="1"/>
-          </p:cNvSpPr>
-          <p:nvPr>
-            <p:ph idx="1"/>
-          </p:nvPr>
-        </p:nvSpPr>
-        <p:spPr/>
-        <p:txBody>
-          <a:bodyPr>
-            <a:normAutofit/>
-          </a:bodyPr>
-          <a:lstStyle/>
           <a:p>
             <a:pPr marL="0" indent="0" algn="ctr">
               <a:buNone/>
             </a:pPr>
             <a:r>
-              <a:rPr lang="zh-CN" altLang="en-US" sz="5400" b="1" dirty="0" smtClean="0">
-                <a:solidFill>
-                  <a:srgbClr val="002060"/>
-                </a:solidFill>
-                <a:latin typeface="Microsoft JhengHei" panose="020B0604030504040204" pitchFamily="34" charset="-120"/>
+              <a:rPr lang="zh-CN" altLang="en-US" sz="6400" b="1" dirty="0">
+                <a:solidFill>
+                  <a:srgbClr val="000066"/>
+                </a:solidFill>
                 <a:ea typeface="Microsoft JhengHei" panose="020B0604030504040204" pitchFamily="34" charset="-120"/>
               </a:rPr>
-              <a:t>我要頌</a:t>
-            </a:r>
-            <a:r>
-              <a:rPr lang="zh-CN" altLang="en-US" sz="5400" b="1" dirty="0" smtClean="0">
-                <a:solidFill>
-                  <a:srgbClr val="002060"/>
-                </a:solidFill>
-                <a:latin typeface="Microsoft JhengHei" panose="020B0604030504040204" pitchFamily="34" charset="-120"/>
-                <a:ea typeface="Microsoft JhengHei" panose="020B0604030504040204" pitchFamily="34" charset="-120"/>
-              </a:rPr>
-              <a:t>主大</a:t>
-            </a:r>
-            <a:r>
-              <a:rPr lang="zh-CN" altLang="en-US" sz="5400" b="1" dirty="0">
-                <a:solidFill>
-                  <a:srgbClr val="002060"/>
-                </a:solidFill>
-                <a:latin typeface="Microsoft JhengHei" panose="020B0604030504040204" pitchFamily="34" charset="-120"/>
-                <a:ea typeface="Microsoft JhengHei" panose="020B0604030504040204" pitchFamily="34" charset="-120"/>
-              </a:rPr>
-              <a:t>慈</a:t>
-            </a:r>
-            <a:r>
-              <a:rPr lang="zh-CN" altLang="en-US" sz="5400" b="1" dirty="0" smtClean="0">
-                <a:solidFill>
-                  <a:srgbClr val="002060"/>
-                </a:solidFill>
-                <a:latin typeface="Microsoft JhengHei" panose="020B0604030504040204" pitchFamily="34" charset="-120"/>
-                <a:ea typeface="Microsoft JhengHei" panose="020B0604030504040204" pitchFamily="34" charset="-120"/>
-              </a:rPr>
-              <a:t>愛  遠超我人心願</a:t>
-            </a:r>
-            <a:endParaRPr lang="en-US" altLang="zh-CN" sz="5400" b="1" dirty="0" smtClean="0">
+              <a:t>主的愛滿足我心</a:t>
+            </a:r>
+            <a:endParaRPr lang="en-US" altLang="zh-CN" sz="6400" b="1" dirty="0">
               <a:solidFill>
-                <a:srgbClr val="002060"/>
-              </a:solidFill>
-              <a:latin typeface="Microsoft JhengHei" panose="020B0604030504040204" pitchFamily="34" charset="-120"/>
-              <a:ea typeface="Microsoft JhengHei" panose="020B0604030504040204" pitchFamily="34" charset="-120"/>
-            </a:endParaRPr>
-          </a:p>
-          <a:p>
-            <a:pPr marL="0" indent="0" algn="ctr">
-              <a:buNone/>
-            </a:pPr>
-            <a:r>
-              <a:rPr lang="zh-CN" altLang="en-US" sz="5400" b="1" dirty="0" smtClean="0">
-                <a:solidFill>
-                  <a:srgbClr val="002060"/>
-                </a:solidFill>
-                <a:latin typeface="Microsoft JhengHei" panose="020B0604030504040204" pitchFamily="34" charset="-120"/>
-                <a:ea typeface="Microsoft JhengHei" panose="020B0604030504040204" pitchFamily="34" charset="-120"/>
-              </a:rPr>
-              <a:t>從主不測之豐富  充滿無量充滿</a:t>
-            </a:r>
-            <a:endParaRPr lang="en-US" altLang="zh-CN" sz="5400" b="1" dirty="0" smtClean="0">
-              <a:solidFill>
-                <a:srgbClr val="002060"/>
-              </a:solidFill>
-              <a:latin typeface="Microsoft JhengHei" panose="020B0604030504040204" pitchFamily="34" charset="-120"/>
-              <a:ea typeface="Microsoft JhengHei" panose="020B0604030504040204" pitchFamily="34" charset="-120"/>
-            </a:endParaRPr>
-          </a:p>
-          <a:p>
-            <a:pPr marL="0" indent="0" algn="ctr">
-              <a:buNone/>
-            </a:pPr>
-            <a:r>
-              <a:rPr lang="zh-CN" altLang="en-US" sz="5400" b="1" dirty="0">
-                <a:solidFill>
-                  <a:srgbClr val="002060"/>
-                </a:solidFill>
-                <a:latin typeface="Microsoft JhengHei" panose="020B0604030504040204" pitchFamily="34" charset="-120"/>
-                <a:ea typeface="Microsoft JhengHei" panose="020B0604030504040204" pitchFamily="34" charset="-120"/>
-              </a:rPr>
-              <a:t>永遠沉</a:t>
-            </a:r>
-            <a:r>
-              <a:rPr lang="zh-CN" altLang="en-US" sz="5400" b="1" dirty="0" smtClean="0">
-                <a:solidFill>
-                  <a:srgbClr val="002060"/>
-                </a:solidFill>
-                <a:latin typeface="Microsoft JhengHei" panose="020B0604030504040204" pitchFamily="34" charset="-120"/>
-                <a:ea typeface="Microsoft JhengHei" panose="020B0604030504040204" pitchFamily="34" charset="-120"/>
-              </a:rPr>
-              <a:t>潛主愛中  時時有新效驗</a:t>
-            </a:r>
-            <a:endParaRPr lang="en-US" altLang="zh-CN" sz="5400" b="1" dirty="0" smtClean="0">
-              <a:solidFill>
-                <a:srgbClr val="002060"/>
-              </a:solidFill>
-              <a:latin typeface="Microsoft JhengHei" panose="020B0604030504040204" pitchFamily="34" charset="-120"/>
-              <a:ea typeface="Microsoft JhengHei" panose="020B0604030504040204" pitchFamily="34" charset="-120"/>
-            </a:endParaRPr>
-          </a:p>
-          <a:p>
-            <a:pPr marL="0" indent="0" algn="ctr">
-              <a:buNone/>
-            </a:pPr>
-            <a:r>
-              <a:rPr lang="zh-CN" altLang="en-US" sz="5400" b="1" dirty="0">
-                <a:solidFill>
-                  <a:srgbClr val="002060"/>
-                </a:solidFill>
-                <a:latin typeface="Microsoft JhengHei" panose="020B0604030504040204" pitchFamily="34" charset="-120"/>
-                <a:ea typeface="Microsoft JhengHei" panose="020B0604030504040204" pitchFamily="34" charset="-120"/>
-              </a:rPr>
-              <a:t>愛</a:t>
-            </a:r>
-            <a:r>
-              <a:rPr lang="zh-CN" altLang="en-US" sz="5400" b="1" dirty="0" smtClean="0">
-                <a:solidFill>
-                  <a:srgbClr val="002060"/>
-                </a:solidFill>
-                <a:latin typeface="Microsoft JhengHei" panose="020B0604030504040204" pitchFamily="34" charset="-120"/>
-                <a:ea typeface="Microsoft JhengHei" panose="020B0604030504040204" pitchFamily="34" charset="-120"/>
-              </a:rPr>
-              <a:t>我終必愛到底  主愛永不改變</a:t>
-            </a:r>
-            <a:endParaRPr lang="vi-VN" sz="5400" b="1" dirty="0">
-              <a:solidFill>
-                <a:srgbClr val="002060"/>
+                <a:srgbClr val="000066"/>
               </a:solidFill>
               <a:ea typeface="Microsoft JhengHei" panose="020B0604030504040204" pitchFamily="34" charset="-120"/>
             </a:endParaRPr>
@@ -4348,14 +4343,14 @@
       </p:sp>
       <p:sp>
         <p:nvSpPr>
-          <p:cNvPr id="4" name="TextBox 3"/>
+          <p:cNvPr id="3" name="TextBox 2"/>
           <p:cNvSpPr txBox="1"/>
           <p:nvPr/>
         </p:nvSpPr>
         <p:spPr>
           <a:xfrm>
-            <a:off x="134112" y="1770889"/>
-            <a:ext cx="743712" cy="830997"/>
+            <a:off x="0" y="5061182"/>
+            <a:ext cx="12192000" cy="830997"/>
           </a:xfrm>
           <a:prstGeom prst="rect">
             <a:avLst/>
@@ -4368,17 +4363,18 @@
           </a:bodyPr>
           <a:lstStyle/>
           <a:p>
-            <a:r>
-              <a:rPr lang="en-US" sz="4800" b="1" dirty="0" smtClean="0">
-                <a:solidFill>
-                  <a:srgbClr val="002060"/>
+            <a:pPr algn="ctr"/>
+            <a:r>
+              <a:rPr lang="en-US" sz="4800" b="1" dirty="0">
+                <a:solidFill>
+                  <a:srgbClr val="000066"/>
                 </a:solidFill>
               </a:rPr>
-              <a:t>3.</a:t>
+              <a:t>( 1 / 3 )</a:t>
             </a:r>
             <a:endParaRPr lang="vi-VN" sz="4800" b="1" dirty="0">
               <a:solidFill>
-                <a:srgbClr val="002060"/>
+                <a:srgbClr val="000066"/>
               </a:solidFill>
             </a:endParaRPr>
           </a:p>
@@ -4387,13 +4383,20 @@
     </p:spTree>
     <p:extLst>
       <p:ext uri="{BB962C8B-B14F-4D97-AF65-F5344CB8AC3E}">
-        <p14:creationId xmlns:p14="http://schemas.microsoft.com/office/powerpoint/2010/main" val="2081941380"/>
+        <p14:creationId xmlns:p14="http://schemas.microsoft.com/office/powerpoint/2010/main" val="3841517978"/>
       </p:ext>
     </p:extLst>
   </p:cSld>
   <p:clrMapOvr>
     <a:masterClrMapping/>
   </p:clrMapOvr>
+  <p:timing>
+    <p:tnLst>
+      <p:par>
+        <p:cTn id="1" dur="indefinite" restart="never" nodeType="tmRoot"/>
+      </p:par>
+    </p:tnLst>
+  </p:timing>
 </p:sld>
 </file>
 
@@ -4416,259 +4419,77 @@
       </p:grpSpPr>
       <p:sp>
         <p:nvSpPr>
-          <p:cNvPr id="2" name="Title 1"/>
-          <p:cNvSpPr>
-            <a:spLocks noGrp="1"/>
-          </p:cNvSpPr>
-          <p:nvPr>
-            <p:ph type="title"/>
-          </p:nvPr>
-        </p:nvSpPr>
-        <p:spPr/>
-        <p:txBody>
-          <a:bodyPr>
+          <p:cNvPr id="5" name="內容版面配置區 4"/>
+          <p:cNvSpPr>
+            <a:spLocks noGrp="1"/>
+          </p:cNvSpPr>
+          <p:nvPr>
+            <p:ph idx="1"/>
+          </p:nvPr>
+        </p:nvSpPr>
+        <p:spPr>
+          <a:xfrm>
+            <a:off x="0" y="2084851"/>
+            <a:ext cx="12192000" cy="2404863"/>
+          </a:xfrm>
+        </p:spPr>
+        <p:txBody>
+          <a:bodyPr anchor="ctr">
             <a:normAutofit/>
           </a:bodyPr>
           <a:lstStyle/>
           <a:p>
-            <a:r>
-              <a:rPr lang="zh-CN" altLang="en-US" sz="4800" b="1" dirty="0" smtClean="0">
-                <a:solidFill>
-                  <a:srgbClr val="002060"/>
-                </a:solidFill>
-                <a:latin typeface="Microsoft JhengHei" panose="020B0604030504040204" pitchFamily="34" charset="-120"/>
+            <a:pPr marL="0" indent="0" algn="ctr">
+              <a:buNone/>
+            </a:pPr>
+            <a:r>
+              <a:rPr lang="zh-CN" altLang="en-US" sz="6400" b="1" dirty="0">
+                <a:solidFill>
+                  <a:srgbClr val="000066"/>
+                </a:solidFill>
                 <a:ea typeface="Microsoft JhengHei" panose="020B0604030504040204" pitchFamily="34" charset="-120"/>
               </a:rPr>
-              <a:t>歌頌主愛</a:t>
-            </a:r>
-            <a:endParaRPr lang="vi-VN" sz="4800" b="1" dirty="0">
+              <a:t>我要頌主大慈愛  與眾聖同歌吟</a:t>
+            </a:r>
+            <a:endParaRPr lang="en-US" altLang="zh-CN" sz="6400" b="1" dirty="0">
               <a:solidFill>
-                <a:srgbClr val="002060"/>
+                <a:srgbClr val="000066"/>
               </a:solidFill>
               <a:ea typeface="Microsoft JhengHei" panose="020B0604030504040204" pitchFamily="34" charset="-120"/>
             </a:endParaRPr>
           </a:p>
-        </p:txBody>
-      </p:sp>
-      <p:sp>
-        <p:nvSpPr>
-          <p:cNvPr id="3" name="Content Placeholder 2"/>
-          <p:cNvSpPr>
-            <a:spLocks noGrp="1"/>
-          </p:cNvSpPr>
-          <p:nvPr>
-            <p:ph idx="1"/>
-          </p:nvPr>
-        </p:nvSpPr>
-        <p:spPr/>
-        <p:txBody>
-          <a:bodyPr>
-            <a:normAutofit/>
-          </a:bodyPr>
-          <a:lstStyle/>
           <a:p>
             <a:pPr marL="0" indent="0" algn="ctr">
               <a:buNone/>
             </a:pPr>
             <a:r>
-              <a:rPr lang="zh-CN" altLang="en-US" sz="5400" b="1" dirty="0" smtClean="0">
-                <a:solidFill>
-                  <a:srgbClr val="002060"/>
-                </a:solidFill>
-                <a:latin typeface="Microsoft JhengHei" panose="020B0604030504040204" pitchFamily="34" charset="-120"/>
+              <a:rPr lang="zh-CN" altLang="en-US" sz="6400" b="1" dirty="0">
+                <a:solidFill>
+                  <a:srgbClr val="000066"/>
+                </a:solidFill>
                 <a:ea typeface="Microsoft JhengHei" panose="020B0604030504040204" pitchFamily="34" charset="-120"/>
               </a:rPr>
-              <a:t>主</a:t>
-            </a:r>
-            <a:r>
-              <a:rPr lang="zh-CN" altLang="en-US" sz="5400" b="1" dirty="0">
-                <a:solidFill>
-                  <a:srgbClr val="002060"/>
-                </a:solidFill>
-                <a:ea typeface="Microsoft JhengHei" panose="020B0604030504040204" pitchFamily="34" charset="-120"/>
-              </a:rPr>
-              <a:t>的</a:t>
-            </a:r>
-            <a:r>
-              <a:rPr lang="zh-CN" altLang="en-US" sz="5400" b="1" dirty="0" smtClean="0">
-                <a:solidFill>
-                  <a:srgbClr val="002060"/>
-                </a:solidFill>
-                <a:latin typeface="Microsoft JhengHei" panose="020B0604030504040204" pitchFamily="34" charset="-120"/>
-                <a:ea typeface="Microsoft JhengHei" panose="020B0604030504040204" pitchFamily="34" charset="-120"/>
-              </a:rPr>
-              <a:t>愛</a:t>
-            </a:r>
-            <a:r>
-              <a:rPr lang="zh-CN" altLang="en-US" sz="5400" b="1" dirty="0" smtClean="0">
-                <a:solidFill>
-                  <a:srgbClr val="002060"/>
-                </a:solidFill>
-                <a:latin typeface="Microsoft JhengHei" panose="020B0604030504040204" pitchFamily="34" charset="-120"/>
-                <a:ea typeface="Microsoft JhengHei" panose="020B0604030504040204" pitchFamily="34" charset="-120"/>
-              </a:rPr>
-              <a:t>永不改變</a:t>
-            </a:r>
-            <a:endParaRPr lang="en-US" altLang="zh-CN" sz="5400" b="1" dirty="0" smtClean="0">
+              <a:t>欣感主愛激勵我  滿心火熱如焚</a:t>
+            </a:r>
+            <a:endParaRPr lang="en-US" altLang="zh-CN" sz="6400" b="1" dirty="0">
               <a:solidFill>
-                <a:srgbClr val="002060"/>
-              </a:solidFill>
-              <a:latin typeface="Microsoft JhengHei" panose="020B0604030504040204" pitchFamily="34" charset="-120"/>
-              <a:ea typeface="Microsoft JhengHei" panose="020B0604030504040204" pitchFamily="34" charset="-120"/>
-            </a:endParaRPr>
-          </a:p>
-          <a:p>
-            <a:pPr marL="0" indent="0" algn="ctr">
-              <a:buNone/>
-            </a:pPr>
-            <a:r>
-              <a:rPr lang="zh-CN" altLang="en-US" sz="5400" b="1" dirty="0" smtClean="0">
-                <a:solidFill>
-                  <a:srgbClr val="002060"/>
-                </a:solidFill>
-                <a:latin typeface="Microsoft JhengHei" panose="020B0604030504040204" pitchFamily="34" charset="-120"/>
-                <a:ea typeface="Microsoft JhengHei" panose="020B0604030504040204" pitchFamily="34" charset="-120"/>
-              </a:rPr>
-              <a:t>主</a:t>
-            </a:r>
-            <a:r>
-              <a:rPr lang="zh-CN" altLang="en-US" sz="5400" b="1" dirty="0">
-                <a:solidFill>
-                  <a:srgbClr val="002060"/>
-                </a:solidFill>
-                <a:ea typeface="Microsoft JhengHei" panose="020B0604030504040204" pitchFamily="34" charset="-120"/>
-              </a:rPr>
-              <a:t>的</a:t>
-            </a:r>
-            <a:r>
-              <a:rPr lang="zh-CN" altLang="en-US" sz="5400" b="1" dirty="0" smtClean="0">
-                <a:solidFill>
-                  <a:srgbClr val="002060"/>
-                </a:solidFill>
-                <a:latin typeface="Microsoft JhengHei" panose="020B0604030504040204" pitchFamily="34" charset="-120"/>
-                <a:ea typeface="Microsoft JhengHei" panose="020B0604030504040204" pitchFamily="34" charset="-120"/>
-              </a:rPr>
-              <a:t>愛</a:t>
-            </a:r>
-            <a:r>
-              <a:rPr lang="zh-CN" altLang="en-US" sz="5400" b="1" dirty="0">
-                <a:solidFill>
-                  <a:srgbClr val="002060"/>
-                </a:solidFill>
-                <a:latin typeface="Microsoft JhengHei" panose="020B0604030504040204" pitchFamily="34" charset="-120"/>
-                <a:ea typeface="Microsoft JhengHei" panose="020B0604030504040204" pitchFamily="34" charset="-120"/>
-              </a:rPr>
-              <a:t>永不改</a:t>
-            </a:r>
-            <a:r>
-              <a:rPr lang="zh-CN" altLang="en-US" sz="5400" b="1" dirty="0" smtClean="0">
-                <a:solidFill>
-                  <a:srgbClr val="002060"/>
-                </a:solidFill>
-                <a:latin typeface="Microsoft JhengHei" panose="020B0604030504040204" pitchFamily="34" charset="-120"/>
-                <a:ea typeface="Microsoft JhengHei" panose="020B0604030504040204" pitchFamily="34" charset="-120"/>
-              </a:rPr>
-              <a:t>變</a:t>
-            </a:r>
-            <a:endParaRPr lang="vi-VN" sz="5400" b="1" dirty="0">
-              <a:solidFill>
-                <a:srgbClr val="002060"/>
+                <a:srgbClr val="000066"/>
               </a:solidFill>
               <a:ea typeface="Microsoft JhengHei" panose="020B0604030504040204" pitchFamily="34" charset="-120"/>
             </a:endParaRPr>
           </a:p>
-          <a:p>
-            <a:pPr marL="0" indent="0" algn="ctr">
-              <a:buNone/>
-            </a:pPr>
-            <a:r>
-              <a:rPr lang="zh-CN" altLang="en-US" sz="5400" b="1" dirty="0" smtClean="0">
-                <a:solidFill>
-                  <a:srgbClr val="002060"/>
-                </a:solidFill>
-                <a:ea typeface="Microsoft JhengHei" panose="020B0604030504040204" pitchFamily="34" charset="-120"/>
-              </a:rPr>
-              <a:t>從永遠到永遠  我要歡聲稱頌</a:t>
-            </a:r>
-            <a:endParaRPr lang="en-US" altLang="zh-CN" sz="5400" b="1" dirty="0" smtClean="0">
-              <a:solidFill>
-                <a:srgbClr val="002060"/>
-              </a:solidFill>
-              <a:ea typeface="Microsoft JhengHei" panose="020B0604030504040204" pitchFamily="34" charset="-120"/>
-            </a:endParaRPr>
-          </a:p>
-          <a:p>
-            <a:pPr marL="0" indent="0" algn="ctr">
-              <a:buNone/>
-            </a:pPr>
-            <a:r>
-              <a:rPr lang="zh-CN" altLang="en-US" sz="5400" b="1" dirty="0" smtClean="0">
-                <a:solidFill>
-                  <a:srgbClr val="002060"/>
-                </a:solidFill>
-                <a:latin typeface="Microsoft JhengHei" panose="020B0604030504040204" pitchFamily="34" charset="-120"/>
-                <a:ea typeface="Microsoft JhengHei" panose="020B0604030504040204" pitchFamily="34" charset="-120"/>
-              </a:rPr>
-              <a:t>主</a:t>
-            </a:r>
-            <a:r>
-              <a:rPr lang="zh-CN" altLang="en-US" sz="5400" b="1" dirty="0">
-                <a:solidFill>
-                  <a:srgbClr val="002060"/>
-                </a:solidFill>
-                <a:ea typeface="Microsoft JhengHei" panose="020B0604030504040204" pitchFamily="34" charset="-120"/>
-              </a:rPr>
-              <a:t>的</a:t>
-            </a:r>
-            <a:r>
-              <a:rPr lang="zh-CN" altLang="en-US" sz="5400" b="1" dirty="0" smtClean="0">
-                <a:solidFill>
-                  <a:srgbClr val="002060"/>
-                </a:solidFill>
-                <a:latin typeface="Microsoft JhengHei" panose="020B0604030504040204" pitchFamily="34" charset="-120"/>
-                <a:ea typeface="Microsoft JhengHei" panose="020B0604030504040204" pitchFamily="34" charset="-120"/>
-              </a:rPr>
-              <a:t>愛</a:t>
-            </a:r>
-            <a:r>
-              <a:rPr lang="zh-CN" altLang="en-US" sz="5400" b="1" dirty="0">
-                <a:solidFill>
-                  <a:srgbClr val="002060"/>
-                </a:solidFill>
-                <a:latin typeface="Microsoft JhengHei" panose="020B0604030504040204" pitchFamily="34" charset="-120"/>
-                <a:ea typeface="Microsoft JhengHei" panose="020B0604030504040204" pitchFamily="34" charset="-120"/>
-              </a:rPr>
-              <a:t>永不改</a:t>
-            </a:r>
-            <a:r>
-              <a:rPr lang="zh-CN" altLang="en-US" sz="5400" b="1" dirty="0" smtClean="0">
-                <a:solidFill>
-                  <a:srgbClr val="002060"/>
-                </a:solidFill>
-                <a:latin typeface="Microsoft JhengHei" panose="020B0604030504040204" pitchFamily="34" charset="-120"/>
-                <a:ea typeface="Microsoft JhengHei" panose="020B0604030504040204" pitchFamily="34" charset="-120"/>
-              </a:rPr>
-              <a:t>變</a:t>
-            </a:r>
-            <a:endParaRPr lang="vi-VN" sz="5400" b="1" dirty="0">
-              <a:solidFill>
-                <a:srgbClr val="002060"/>
-              </a:solidFill>
-              <a:ea typeface="Microsoft JhengHei" panose="020B0604030504040204" pitchFamily="34" charset="-120"/>
-            </a:endParaRPr>
-          </a:p>
-        </p:txBody>
-      </p:sp>
-      <p:sp>
-        <p:nvSpPr>
-          <p:cNvPr id="4" name="TextBox 3"/>
+        </p:txBody>
+      </p:sp>
+      <p:sp>
+        <p:nvSpPr>
+          <p:cNvPr id="3" name="TextBox 2"/>
           <p:cNvSpPr txBox="1"/>
           <p:nvPr/>
         </p:nvSpPr>
         <p:spPr>
           <a:xfrm>
-            <a:off x="134112" y="1770889"/>
-            <a:ext cx="743712" cy="830997"/>
+            <a:off x="0" y="5061182"/>
+            <a:ext cx="12192000" cy="830997"/>
           </a:xfrm>
           <a:prstGeom prst="rect">
             <a:avLst/>
@@ -4681,17 +4502,18 @@
           </a:bodyPr>
           <a:lstStyle/>
           <a:p>
-            <a:r>
-              <a:rPr lang="en-US" sz="4800" b="1" dirty="0" smtClean="0">
-                <a:solidFill>
-                  <a:srgbClr val="002060"/>
+            <a:pPr algn="ctr"/>
+            <a:r>
+              <a:rPr lang="en-US" sz="4800" b="1" dirty="0">
+                <a:solidFill>
+                  <a:srgbClr val="000066"/>
                 </a:solidFill>
               </a:rPr>
-              <a:t>3.</a:t>
+              <a:t>( 2 / 3 )</a:t>
             </a:r>
             <a:endParaRPr lang="vi-VN" sz="4800" b="1" dirty="0">
               <a:solidFill>
-                <a:srgbClr val="002060"/>
+                <a:srgbClr val="000066"/>
               </a:solidFill>
             </a:endParaRPr>
           </a:p>
@@ -4700,13 +4522,455 @@
     </p:spTree>
     <p:extLst>
       <p:ext uri="{BB962C8B-B14F-4D97-AF65-F5344CB8AC3E}">
-        <p14:creationId xmlns:p14="http://schemas.microsoft.com/office/powerpoint/2010/main" val="710121186"/>
+        <p14:creationId xmlns:p14="http://schemas.microsoft.com/office/powerpoint/2010/main" val="813081885"/>
       </p:ext>
     </p:extLst>
   </p:cSld>
   <p:clrMapOvr>
     <a:masterClrMapping/>
   </p:clrMapOvr>
+  <p:timing>
+    <p:tnLst>
+      <p:par>
+        <p:cTn id="1" dur="indefinite" restart="never" nodeType="tmRoot"/>
+      </p:par>
+    </p:tnLst>
+  </p:timing>
+</p:sld>
+</file>
+
+<file path=ppt/slides/slide7.xml><?xml version="1.0" encoding="utf-8"?>
+<p:sld xmlns:a="http://schemas.openxmlformats.org/drawingml/2006/main" xmlns:r="http://schemas.openxmlformats.org/officeDocument/2006/relationships" xmlns:p="http://schemas.openxmlformats.org/presentationml/2006/main">
+  <p:cSld>
+    <p:spTree>
+      <p:nvGrpSpPr>
+        <p:cNvPr id="1" name=""/>
+        <p:cNvGrpSpPr/>
+        <p:nvPr/>
+      </p:nvGrpSpPr>
+      <p:grpSpPr>
+        <a:xfrm>
+          <a:off x="0" y="0"/>
+          <a:ext cx="0" cy="0"/>
+          <a:chOff x="0" y="0"/>
+          <a:chExt cx="0" cy="0"/>
+        </a:xfrm>
+      </p:grpSpPr>
+      <p:sp>
+        <p:nvSpPr>
+          <p:cNvPr id="5" name="內容版面配置區 4"/>
+          <p:cNvSpPr>
+            <a:spLocks noGrp="1"/>
+          </p:cNvSpPr>
+          <p:nvPr>
+            <p:ph idx="1"/>
+          </p:nvPr>
+        </p:nvSpPr>
+        <p:spPr>
+          <a:xfrm>
+            <a:off x="0" y="2084851"/>
+            <a:ext cx="12192000" cy="2404863"/>
+          </a:xfrm>
+        </p:spPr>
+        <p:txBody>
+          <a:bodyPr anchor="ctr">
+            <a:normAutofit/>
+          </a:bodyPr>
+          <a:lstStyle/>
+          <a:p>
+            <a:pPr marL="0" indent="0" algn="ctr">
+              <a:buNone/>
+            </a:pPr>
+            <a:r>
+              <a:rPr lang="zh-CN" altLang="en-US" sz="6400" b="1" dirty="0">
+                <a:solidFill>
+                  <a:srgbClr val="000066"/>
+                </a:solidFill>
+                <a:ea typeface="Microsoft JhengHei" panose="020B0604030504040204" pitchFamily="34" charset="-120"/>
+              </a:rPr>
+              <a:t>甘願與我為密友</a:t>
+            </a:r>
+            <a:r>
+              <a:rPr lang="en-US" altLang="zh-CN" sz="6400" b="1" dirty="0">
+                <a:solidFill>
+                  <a:srgbClr val="000066"/>
+                </a:solidFill>
+                <a:ea typeface="Microsoft JhengHei" panose="020B0604030504040204" pitchFamily="34" charset="-120"/>
+              </a:rPr>
+              <a:t>  </a:t>
+            </a:r>
+            <a:r>
+              <a:rPr lang="zh-CN" altLang="en-US" sz="6400" b="1" dirty="0">
+                <a:solidFill>
+                  <a:srgbClr val="000066"/>
+                </a:solidFill>
+                <a:ea typeface="Microsoft JhengHei" panose="020B0604030504040204" pitchFamily="34" charset="-120"/>
+              </a:rPr>
+              <a:t>彼此靈交日親  </a:t>
+            </a:r>
+            <a:endParaRPr lang="en-US" altLang="zh-CN" sz="6400" b="1" dirty="0">
+              <a:solidFill>
+                <a:srgbClr val="000066"/>
+              </a:solidFill>
+              <a:ea typeface="Microsoft JhengHei" panose="020B0604030504040204" pitchFamily="34" charset="-120"/>
+            </a:endParaRPr>
+          </a:p>
+          <a:p>
+            <a:pPr marL="0" indent="0" algn="ctr">
+              <a:buNone/>
+            </a:pPr>
+            <a:r>
+              <a:rPr lang="zh-CN" altLang="en-US" sz="6400" b="1" dirty="0">
+                <a:solidFill>
+                  <a:srgbClr val="000066"/>
+                </a:solidFill>
+                <a:ea typeface="Microsoft JhengHei" panose="020B0604030504040204" pitchFamily="34" charset="-120"/>
+              </a:rPr>
+              <a:t>情意最厚恩無盡  越久主愛越深</a:t>
+            </a:r>
+            <a:endParaRPr lang="vi-VN" sz="6400" b="1" dirty="0">
+              <a:solidFill>
+                <a:srgbClr val="000066"/>
+              </a:solidFill>
+              <a:ea typeface="Microsoft JhengHei" panose="020B0604030504040204" pitchFamily="34" charset="-120"/>
+            </a:endParaRPr>
+          </a:p>
+        </p:txBody>
+      </p:sp>
+      <p:sp>
+        <p:nvSpPr>
+          <p:cNvPr id="3" name="TextBox 2"/>
+          <p:cNvSpPr txBox="1"/>
+          <p:nvPr/>
+        </p:nvSpPr>
+        <p:spPr>
+          <a:xfrm>
+            <a:off x="0" y="5061182"/>
+            <a:ext cx="12192000" cy="830997"/>
+          </a:xfrm>
+          <a:prstGeom prst="rect">
+            <a:avLst/>
+          </a:prstGeom>
+          <a:noFill/>
+        </p:spPr>
+        <p:txBody>
+          <a:bodyPr wrap="square" rtlCol="0">
+            <a:spAutoFit/>
+          </a:bodyPr>
+          <a:lstStyle/>
+          <a:p>
+            <a:pPr algn="ctr"/>
+            <a:r>
+              <a:rPr lang="en-US" sz="4800" b="1" dirty="0">
+                <a:solidFill>
+                  <a:srgbClr val="000066"/>
+                </a:solidFill>
+              </a:rPr>
+              <a:t>( 2 / 3 )</a:t>
+            </a:r>
+            <a:endParaRPr lang="vi-VN" sz="4800" b="1" dirty="0">
+              <a:solidFill>
+                <a:srgbClr val="000066"/>
+              </a:solidFill>
+            </a:endParaRPr>
+          </a:p>
+        </p:txBody>
+      </p:sp>
+    </p:spTree>
+    <p:extLst>
+      <p:ext uri="{BB962C8B-B14F-4D97-AF65-F5344CB8AC3E}">
+        <p14:creationId xmlns:p14="http://schemas.microsoft.com/office/powerpoint/2010/main" val="796449829"/>
+      </p:ext>
+    </p:extLst>
+  </p:cSld>
+  <p:clrMapOvr>
+    <a:masterClrMapping/>
+  </p:clrMapOvr>
+  <p:timing>
+    <p:tnLst>
+      <p:par>
+        <p:cTn id="1" dur="indefinite" restart="never" nodeType="tmRoot"/>
+      </p:par>
+    </p:tnLst>
+  </p:timing>
+</p:sld>
+</file>
+
+<file path=ppt/slides/slide8.xml><?xml version="1.0" encoding="utf-8"?>
+<p:sld xmlns:a="http://schemas.openxmlformats.org/drawingml/2006/main" xmlns:r="http://schemas.openxmlformats.org/officeDocument/2006/relationships" xmlns:p="http://schemas.openxmlformats.org/presentationml/2006/main">
+  <p:cSld>
+    <p:spTree>
+      <p:nvGrpSpPr>
+        <p:cNvPr id="1" name=""/>
+        <p:cNvGrpSpPr/>
+        <p:nvPr/>
+      </p:nvGrpSpPr>
+      <p:grpSpPr>
+        <a:xfrm>
+          <a:off x="0" y="0"/>
+          <a:ext cx="0" cy="0"/>
+          <a:chOff x="0" y="0"/>
+          <a:chExt cx="0" cy="0"/>
+        </a:xfrm>
+      </p:grpSpPr>
+      <p:sp>
+        <p:nvSpPr>
+          <p:cNvPr id="5" name="內容版面配置區 4"/>
+          <p:cNvSpPr>
+            <a:spLocks noGrp="1"/>
+          </p:cNvSpPr>
+          <p:nvPr>
+            <p:ph idx="1"/>
+          </p:nvPr>
+        </p:nvSpPr>
+        <p:spPr>
+          <a:xfrm>
+            <a:off x="0" y="2084851"/>
+            <a:ext cx="12192000" cy="2404863"/>
+          </a:xfrm>
+        </p:spPr>
+        <p:txBody>
+          <a:bodyPr anchor="ctr">
+            <a:normAutofit/>
+          </a:bodyPr>
+          <a:lstStyle/>
+          <a:p>
+            <a:pPr marL="0" indent="0" algn="ctr">
+              <a:buNone/>
+            </a:pPr>
+            <a:r>
+              <a:rPr lang="zh-CN" altLang="en-US" sz="6400" b="1" dirty="0">
+                <a:solidFill>
+                  <a:srgbClr val="000066"/>
+                </a:solidFill>
+                <a:ea typeface="Microsoft JhengHei" panose="020B0604030504040204" pitchFamily="34" charset="-120"/>
+              </a:rPr>
+              <a:t>主的愛越久越深</a:t>
+            </a:r>
+            <a:endParaRPr lang="en-US" altLang="zh-CN" sz="6400" b="1" dirty="0">
+              <a:solidFill>
+                <a:srgbClr val="000066"/>
+              </a:solidFill>
+              <a:ea typeface="Microsoft JhengHei" panose="020B0604030504040204" pitchFamily="34" charset="-120"/>
+            </a:endParaRPr>
+          </a:p>
+          <a:p>
+            <a:pPr marL="0" indent="0" algn="ctr">
+              <a:buNone/>
+            </a:pPr>
+            <a:r>
+              <a:rPr lang="zh-CN" altLang="en-US" sz="6400" b="1" dirty="0">
+                <a:solidFill>
+                  <a:srgbClr val="000066"/>
+                </a:solidFill>
+                <a:ea typeface="Microsoft JhengHei" panose="020B0604030504040204" pitchFamily="34" charset="-120"/>
+              </a:rPr>
+              <a:t>主的愛越久越深</a:t>
+            </a:r>
+            <a:endParaRPr lang="en-US" altLang="zh-CN" sz="6400" b="1" dirty="0">
+              <a:solidFill>
+                <a:srgbClr val="000066"/>
+              </a:solidFill>
+              <a:ea typeface="Microsoft JhengHei" panose="020B0604030504040204" pitchFamily="34" charset="-120"/>
+            </a:endParaRPr>
+          </a:p>
+        </p:txBody>
+      </p:sp>
+      <p:sp>
+        <p:nvSpPr>
+          <p:cNvPr id="3" name="TextBox 2"/>
+          <p:cNvSpPr txBox="1"/>
+          <p:nvPr/>
+        </p:nvSpPr>
+        <p:spPr>
+          <a:xfrm>
+            <a:off x="0" y="5061182"/>
+            <a:ext cx="12192000" cy="830997"/>
+          </a:xfrm>
+          <a:prstGeom prst="rect">
+            <a:avLst/>
+          </a:prstGeom>
+          <a:noFill/>
+        </p:spPr>
+        <p:txBody>
+          <a:bodyPr wrap="square" rtlCol="0">
+            <a:spAutoFit/>
+          </a:bodyPr>
+          <a:lstStyle/>
+          <a:p>
+            <a:pPr algn="ctr"/>
+            <a:r>
+              <a:rPr lang="en-US" sz="4800" b="1" dirty="0">
+                <a:solidFill>
+                  <a:srgbClr val="000066"/>
+                </a:solidFill>
+              </a:rPr>
+              <a:t>( 2 / 3 )</a:t>
+            </a:r>
+            <a:endParaRPr lang="vi-VN" sz="4800" b="1" dirty="0">
+              <a:solidFill>
+                <a:srgbClr val="000066"/>
+              </a:solidFill>
+            </a:endParaRPr>
+          </a:p>
+        </p:txBody>
+      </p:sp>
+    </p:spTree>
+    <p:extLst>
+      <p:ext uri="{BB962C8B-B14F-4D97-AF65-F5344CB8AC3E}">
+        <p14:creationId xmlns:p14="http://schemas.microsoft.com/office/powerpoint/2010/main" val="1437021018"/>
+      </p:ext>
+    </p:extLst>
+  </p:cSld>
+  <p:clrMapOvr>
+    <a:masterClrMapping/>
+  </p:clrMapOvr>
+  <p:timing>
+    <p:tnLst>
+      <p:par>
+        <p:cTn id="1" dur="indefinite" restart="never" nodeType="tmRoot"/>
+      </p:par>
+    </p:tnLst>
+  </p:timing>
+</p:sld>
+</file>
+
+<file path=ppt/slides/slide9.xml><?xml version="1.0" encoding="utf-8"?>
+<p:sld xmlns:a="http://schemas.openxmlformats.org/drawingml/2006/main" xmlns:r="http://schemas.openxmlformats.org/officeDocument/2006/relationships" xmlns:p="http://schemas.openxmlformats.org/presentationml/2006/main">
+  <p:cSld>
+    <p:spTree>
+      <p:nvGrpSpPr>
+        <p:cNvPr id="1" name=""/>
+        <p:cNvGrpSpPr/>
+        <p:nvPr/>
+      </p:nvGrpSpPr>
+      <p:grpSpPr>
+        <a:xfrm>
+          <a:off x="0" y="0"/>
+          <a:ext cx="0" cy="0"/>
+          <a:chOff x="0" y="0"/>
+          <a:chExt cx="0" cy="0"/>
+        </a:xfrm>
+      </p:grpSpPr>
+      <p:sp>
+        <p:nvSpPr>
+          <p:cNvPr id="5" name="內容版面配置區 4"/>
+          <p:cNvSpPr>
+            <a:spLocks noGrp="1"/>
+          </p:cNvSpPr>
+          <p:nvPr>
+            <p:ph idx="1"/>
+          </p:nvPr>
+        </p:nvSpPr>
+        <p:spPr>
+          <a:xfrm>
+            <a:off x="0" y="2084851"/>
+            <a:ext cx="12192000" cy="2404863"/>
+          </a:xfrm>
+        </p:spPr>
+        <p:txBody>
+          <a:bodyPr anchor="ctr">
+            <a:normAutofit/>
+          </a:bodyPr>
+          <a:lstStyle/>
+          <a:p>
+            <a:pPr marL="0" indent="0" algn="ctr">
+              <a:buNone/>
+            </a:pPr>
+            <a:r>
+              <a:rPr lang="zh-CN" altLang="en-US" sz="6400" b="1" dirty="0">
+                <a:solidFill>
+                  <a:srgbClr val="000066"/>
+                </a:solidFill>
+                <a:ea typeface="Microsoft JhengHei" panose="020B0604030504040204" pitchFamily="34" charset="-120"/>
+              </a:rPr>
+              <a:t>猶如大海汪洋  我要時時歌唱</a:t>
+            </a:r>
+            <a:endParaRPr lang="en-US" altLang="zh-CN" sz="6400" b="1" dirty="0">
+              <a:solidFill>
+                <a:srgbClr val="000066"/>
+              </a:solidFill>
+              <a:ea typeface="Microsoft JhengHei" panose="020B0604030504040204" pitchFamily="34" charset="-120"/>
+            </a:endParaRPr>
+          </a:p>
+          <a:p>
+            <a:pPr marL="0" indent="0" algn="ctr">
+              <a:buNone/>
+            </a:pPr>
+            <a:r>
+              <a:rPr lang="zh-CN" altLang="en-US" sz="6400" b="1" dirty="0">
+                <a:solidFill>
+                  <a:srgbClr val="000066"/>
+                </a:solidFill>
+                <a:ea typeface="Microsoft JhengHei" panose="020B0604030504040204" pitchFamily="34" charset="-120"/>
+              </a:rPr>
+              <a:t>主的愛越久越深</a:t>
+            </a:r>
+            <a:endParaRPr lang="en-US" altLang="zh-CN" sz="6400" b="1" dirty="0">
+              <a:solidFill>
+                <a:srgbClr val="000066"/>
+              </a:solidFill>
+              <a:ea typeface="Microsoft JhengHei" panose="020B0604030504040204" pitchFamily="34" charset="-120"/>
+            </a:endParaRPr>
+          </a:p>
+        </p:txBody>
+      </p:sp>
+      <p:sp>
+        <p:nvSpPr>
+          <p:cNvPr id="3" name="TextBox 2"/>
+          <p:cNvSpPr txBox="1"/>
+          <p:nvPr/>
+        </p:nvSpPr>
+        <p:spPr>
+          <a:xfrm>
+            <a:off x="0" y="5061182"/>
+            <a:ext cx="12192000" cy="830997"/>
+          </a:xfrm>
+          <a:prstGeom prst="rect">
+            <a:avLst/>
+          </a:prstGeom>
+          <a:noFill/>
+        </p:spPr>
+        <p:txBody>
+          <a:bodyPr wrap="square" rtlCol="0">
+            <a:spAutoFit/>
+          </a:bodyPr>
+          <a:lstStyle/>
+          <a:p>
+            <a:pPr algn="ctr"/>
+            <a:r>
+              <a:rPr lang="en-US" sz="4800" b="1" dirty="0">
+                <a:solidFill>
+                  <a:srgbClr val="000066"/>
+                </a:solidFill>
+              </a:rPr>
+              <a:t>( 2 / 3 )</a:t>
+            </a:r>
+            <a:endParaRPr lang="vi-VN" sz="4800" b="1" dirty="0">
+              <a:solidFill>
+                <a:srgbClr val="000066"/>
+              </a:solidFill>
+            </a:endParaRPr>
+          </a:p>
+        </p:txBody>
+      </p:sp>
+    </p:spTree>
+    <p:extLst>
+      <p:ext uri="{BB962C8B-B14F-4D97-AF65-F5344CB8AC3E}">
+        <p14:creationId xmlns:p14="http://schemas.microsoft.com/office/powerpoint/2010/main" val="2525186008"/>
+      </p:ext>
+    </p:extLst>
+  </p:cSld>
+  <p:clrMapOvr>
+    <a:masterClrMapping/>
+  </p:clrMapOvr>
+  <p:timing>
+    <p:tnLst>
+      <p:par>
+        <p:cTn id="1" dur="indefinite" restart="never" nodeType="tmRoot"/>
+      </p:par>
+    </p:tnLst>
+  </p:timing>
 </p:sld>
 </file>
 

--- a/宣道詩/(宣道詩220)歌頌主愛.pptx
+++ b/宣道詩/(宣道詩220)歌頌主愛.pptx
@@ -305,7 +305,7 @@
           <a:p>
             <a:fld id="{EF25A5E1-1D10-4127-A5A0-21255847F1DE}" type="datetimeFigureOut">
               <a:rPr lang="vi-VN" smtClean="0"/>
-              <a:t>04/06/2022</a:t>
+              <a:t>30/06/2023</a:t>
             </a:fld>
             <a:endParaRPr lang="vi-VN"/>
           </a:p>
@@ -475,7 +475,7 @@
           <a:p>
             <a:fld id="{EF25A5E1-1D10-4127-A5A0-21255847F1DE}" type="datetimeFigureOut">
               <a:rPr lang="vi-VN" smtClean="0"/>
-              <a:t>04/06/2022</a:t>
+              <a:t>30/06/2023</a:t>
             </a:fld>
             <a:endParaRPr lang="vi-VN"/>
           </a:p>
@@ -655,7 +655,7 @@
           <a:p>
             <a:fld id="{EF25A5E1-1D10-4127-A5A0-21255847F1DE}" type="datetimeFigureOut">
               <a:rPr lang="vi-VN" smtClean="0"/>
-              <a:t>04/06/2022</a:t>
+              <a:t>30/06/2023</a:t>
             </a:fld>
             <a:endParaRPr lang="vi-VN"/>
           </a:p>
@@ -825,7 +825,7 @@
           <a:p>
             <a:fld id="{EF25A5E1-1D10-4127-A5A0-21255847F1DE}" type="datetimeFigureOut">
               <a:rPr lang="vi-VN" smtClean="0"/>
-              <a:t>04/06/2022</a:t>
+              <a:t>30/06/2023</a:t>
             </a:fld>
             <a:endParaRPr lang="vi-VN"/>
           </a:p>
@@ -1071,7 +1071,7 @@
           <a:p>
             <a:fld id="{EF25A5E1-1D10-4127-A5A0-21255847F1DE}" type="datetimeFigureOut">
               <a:rPr lang="vi-VN" smtClean="0"/>
-              <a:t>04/06/2022</a:t>
+              <a:t>30/06/2023</a:t>
             </a:fld>
             <a:endParaRPr lang="vi-VN"/>
           </a:p>
@@ -1359,7 +1359,7 @@
           <a:p>
             <a:fld id="{EF25A5E1-1D10-4127-A5A0-21255847F1DE}" type="datetimeFigureOut">
               <a:rPr lang="vi-VN" smtClean="0"/>
-              <a:t>04/06/2022</a:t>
+              <a:t>30/06/2023</a:t>
             </a:fld>
             <a:endParaRPr lang="vi-VN"/>
           </a:p>
@@ -1781,7 +1781,7 @@
           <a:p>
             <a:fld id="{EF25A5E1-1D10-4127-A5A0-21255847F1DE}" type="datetimeFigureOut">
               <a:rPr lang="vi-VN" smtClean="0"/>
-              <a:t>04/06/2022</a:t>
+              <a:t>30/06/2023</a:t>
             </a:fld>
             <a:endParaRPr lang="vi-VN"/>
           </a:p>
@@ -1899,7 +1899,7 @@
           <a:p>
             <a:fld id="{EF25A5E1-1D10-4127-A5A0-21255847F1DE}" type="datetimeFigureOut">
               <a:rPr lang="vi-VN" smtClean="0"/>
-              <a:t>04/06/2022</a:t>
+              <a:t>30/06/2023</a:t>
             </a:fld>
             <a:endParaRPr lang="vi-VN"/>
           </a:p>
@@ -1994,7 +1994,7 @@
           <a:p>
             <a:fld id="{EF25A5E1-1D10-4127-A5A0-21255847F1DE}" type="datetimeFigureOut">
               <a:rPr lang="vi-VN" smtClean="0"/>
-              <a:t>04/06/2022</a:t>
+              <a:t>30/06/2023</a:t>
             </a:fld>
             <a:endParaRPr lang="vi-VN"/>
           </a:p>
@@ -2271,7 +2271,7 @@
           <a:p>
             <a:fld id="{EF25A5E1-1D10-4127-A5A0-21255847F1DE}" type="datetimeFigureOut">
               <a:rPr lang="vi-VN" smtClean="0"/>
-              <a:t>04/06/2022</a:t>
+              <a:t>30/06/2023</a:t>
             </a:fld>
             <a:endParaRPr lang="vi-VN"/>
           </a:p>
@@ -2528,7 +2528,7 @@
           <a:p>
             <a:fld id="{EF25A5E1-1D10-4127-A5A0-21255847F1DE}" type="datetimeFigureOut">
               <a:rPr lang="vi-VN" smtClean="0"/>
-              <a:t>04/06/2022</a:t>
+              <a:t>30/06/2023</a:t>
             </a:fld>
             <a:endParaRPr lang="vi-VN"/>
           </a:p>
@@ -2746,7 +2746,7 @@
           <a:p>
             <a:fld id="{EF25A5E1-1D10-4127-A5A0-21255847F1DE}" type="datetimeFigureOut">
               <a:rPr lang="vi-VN" smtClean="0"/>
-              <a:t>04/06/2022</a:t>
+              <a:t>30/06/2023</a:t>
             </a:fld>
             <a:endParaRPr lang="vi-VN"/>
           </a:p>
@@ -3225,24 +3225,7 @@
                 <a:latin typeface="微軟正黑體" pitchFamily="34" charset="-120"/>
                 <a:ea typeface="微軟正黑體" pitchFamily="34" charset="-120"/>
               </a:rPr>
-              <a:t>歌</a:t>
-            </a:r>
-            <a:r>
-              <a:rPr lang="zh-CN" altLang="en-US" sz="8000" b="1" dirty="0">
-                <a:solidFill>
-                  <a:srgbClr val="000066"/>
-                </a:solidFill>
-                <a:effectLst>
-                  <a:outerShdw blurRad="38100" dist="38100" dir="2700000" algn="tl">
-                    <a:srgbClr val="000000">
-                      <a:alpha val="43137"/>
-                    </a:srgbClr>
-                  </a:outerShdw>
-                </a:effectLst>
-                <a:latin typeface="微軟正黑體" pitchFamily="34" charset="-120"/>
-                <a:ea typeface="微軟正黑體" pitchFamily="34" charset="-120"/>
-              </a:rPr>
-              <a:t>頌主愛</a:t>
+              <a:t>歌頌主愛</a:t>
             </a:r>
             <a:endParaRPr lang="zh-TW" altLang="en-US" sz="8000" b="1" dirty="0">
               <a:solidFill>
@@ -3370,7 +3353,7 @@
         <p:spPr>
           <a:xfrm>
             <a:off x="0" y="5061182"/>
-            <a:ext cx="12192000" cy="830997"/>
+            <a:ext cx="12192000" cy="646331"/>
           </a:xfrm>
           <a:prstGeom prst="rect">
             <a:avLst/>
@@ -3385,14 +3368,14 @@
           <a:p>
             <a:pPr algn="ctr"/>
             <a:r>
-              <a:rPr lang="en-US" sz="4800" b="1" dirty="0">
+              <a:rPr lang="en-US" sz="3600" b="1" dirty="0">
                 <a:solidFill>
                   <a:srgbClr val="000066"/>
                 </a:solidFill>
               </a:rPr>
               <a:t>( 3 / 3 )</a:t>
             </a:r>
-            <a:endParaRPr lang="vi-VN" sz="4800" b="1" dirty="0">
+            <a:endParaRPr lang="vi-VN" sz="3600" b="1" dirty="0">
               <a:solidFill>
                 <a:srgbClr val="000066"/>
               </a:solidFill>
@@ -3509,7 +3492,7 @@
         <p:spPr>
           <a:xfrm>
             <a:off x="0" y="5061182"/>
-            <a:ext cx="12192000" cy="830997"/>
+            <a:ext cx="12192000" cy="646331"/>
           </a:xfrm>
           <a:prstGeom prst="rect">
             <a:avLst/>
@@ -3524,14 +3507,14 @@
           <a:p>
             <a:pPr algn="ctr"/>
             <a:r>
-              <a:rPr lang="en-US" sz="4800" b="1" dirty="0">
+              <a:rPr lang="en-US" sz="3600" b="1" dirty="0">
                 <a:solidFill>
                   <a:srgbClr val="000066"/>
                 </a:solidFill>
               </a:rPr>
               <a:t>( 3 / 3 )</a:t>
             </a:r>
-            <a:endParaRPr lang="vi-VN" sz="4800" b="1" dirty="0">
+            <a:endParaRPr lang="vi-VN" sz="3600" b="1" dirty="0">
               <a:solidFill>
                 <a:srgbClr val="000066"/>
               </a:solidFill>
@@ -3648,7 +3631,7 @@
         <p:spPr>
           <a:xfrm>
             <a:off x="0" y="5061182"/>
-            <a:ext cx="12192000" cy="830997"/>
+            <a:ext cx="12192000" cy="646331"/>
           </a:xfrm>
           <a:prstGeom prst="rect">
             <a:avLst/>
@@ -3663,14 +3646,14 @@
           <a:p>
             <a:pPr algn="ctr"/>
             <a:r>
-              <a:rPr lang="en-US" sz="4800" b="1" dirty="0">
+              <a:rPr lang="en-US" sz="3600" b="1" dirty="0">
                 <a:solidFill>
                   <a:srgbClr val="000066"/>
                 </a:solidFill>
               </a:rPr>
               <a:t>( 3 / 3 )</a:t>
             </a:r>
-            <a:endParaRPr lang="vi-VN" sz="4800" b="1" dirty="0">
+            <a:endParaRPr lang="vi-VN" sz="3600" b="1" dirty="0">
               <a:solidFill>
                 <a:srgbClr val="000066"/>
               </a:solidFill>
@@ -3787,7 +3770,7 @@
         <p:spPr>
           <a:xfrm>
             <a:off x="0" y="5061182"/>
-            <a:ext cx="12192000" cy="830997"/>
+            <a:ext cx="12192000" cy="646331"/>
           </a:xfrm>
           <a:prstGeom prst="rect">
             <a:avLst/>
@@ -3802,14 +3785,14 @@
           <a:p>
             <a:pPr algn="ctr"/>
             <a:r>
-              <a:rPr lang="en-US" sz="4800" b="1" dirty="0">
+              <a:rPr lang="en-US" sz="3600" b="1" dirty="0">
                 <a:solidFill>
                   <a:srgbClr val="000066"/>
                 </a:solidFill>
               </a:rPr>
               <a:t>( 3 / 3 )</a:t>
             </a:r>
-            <a:endParaRPr lang="vi-VN" sz="4800" b="1" dirty="0">
+            <a:endParaRPr lang="vi-VN" sz="3600" b="1" dirty="0">
               <a:solidFill>
                 <a:srgbClr val="000066"/>
               </a:solidFill>
@@ -3930,7 +3913,7 @@
         <p:spPr>
           <a:xfrm>
             <a:off x="0" y="5061182"/>
-            <a:ext cx="12192000" cy="830997"/>
+            <a:ext cx="12192000" cy="646331"/>
           </a:xfrm>
           <a:prstGeom prst="rect">
             <a:avLst/>
@@ -3945,14 +3928,14 @@
           <a:p>
             <a:pPr algn="ctr"/>
             <a:r>
-              <a:rPr lang="en-US" sz="4800" b="1" dirty="0">
+              <a:rPr lang="en-US" sz="3600" b="1" dirty="0">
                 <a:solidFill>
                   <a:srgbClr val="000066"/>
                 </a:solidFill>
               </a:rPr>
               <a:t>( 1 / 3 )</a:t>
             </a:r>
-            <a:endParaRPr lang="vi-VN" sz="4800" b="1" dirty="0">
+            <a:endParaRPr lang="vi-VN" sz="3600" b="1" dirty="0">
               <a:solidFill>
                 <a:srgbClr val="000066"/>
               </a:solidFill>
@@ -4072,7 +4055,7 @@
         <p:spPr>
           <a:xfrm>
             <a:off x="0" y="5061182"/>
-            <a:ext cx="12192000" cy="830997"/>
+            <a:ext cx="12192000" cy="646331"/>
           </a:xfrm>
           <a:prstGeom prst="rect">
             <a:avLst/>
@@ -4087,14 +4070,14 @@
           <a:p>
             <a:pPr algn="ctr"/>
             <a:r>
-              <a:rPr lang="en-US" sz="4800" b="1" dirty="0">
+              <a:rPr lang="en-US" sz="3600" b="1" dirty="0">
                 <a:solidFill>
                   <a:srgbClr val="000066"/>
                 </a:solidFill>
               </a:rPr>
               <a:t>( 1 / 3 )</a:t>
             </a:r>
-            <a:endParaRPr lang="vi-VN" sz="4800" b="1" dirty="0">
+            <a:endParaRPr lang="vi-VN" sz="3600" b="1" dirty="0">
               <a:solidFill>
                 <a:srgbClr val="000066"/>
               </a:solidFill>
@@ -4211,7 +4194,7 @@
         <p:spPr>
           <a:xfrm>
             <a:off x="0" y="5061182"/>
-            <a:ext cx="12192000" cy="830997"/>
+            <a:ext cx="12192000" cy="646331"/>
           </a:xfrm>
           <a:prstGeom prst="rect">
             <a:avLst/>
@@ -4226,14 +4209,14 @@
           <a:p>
             <a:pPr algn="ctr"/>
             <a:r>
-              <a:rPr lang="en-US" sz="4800" b="1" dirty="0">
+              <a:rPr lang="en-US" sz="3600" b="1" dirty="0">
                 <a:solidFill>
                   <a:srgbClr val="000066"/>
                 </a:solidFill>
               </a:rPr>
               <a:t>( 1 / 3 )</a:t>
             </a:r>
-            <a:endParaRPr lang="vi-VN" sz="4800" b="1" dirty="0">
+            <a:endParaRPr lang="vi-VN" sz="3600" b="1" dirty="0">
               <a:solidFill>
                 <a:srgbClr val="000066"/>
               </a:solidFill>
@@ -4350,7 +4333,7 @@
         <p:spPr>
           <a:xfrm>
             <a:off x="0" y="5061182"/>
-            <a:ext cx="12192000" cy="830997"/>
+            <a:ext cx="12192000" cy="646331"/>
           </a:xfrm>
           <a:prstGeom prst="rect">
             <a:avLst/>
@@ -4365,14 +4348,14 @@
           <a:p>
             <a:pPr algn="ctr"/>
             <a:r>
-              <a:rPr lang="en-US" sz="4800" b="1" dirty="0">
+              <a:rPr lang="en-US" sz="3600" b="1" dirty="0">
                 <a:solidFill>
                   <a:srgbClr val="000066"/>
                 </a:solidFill>
               </a:rPr>
               <a:t>( 1 / 3 )</a:t>
             </a:r>
-            <a:endParaRPr lang="vi-VN" sz="4800" b="1" dirty="0">
+            <a:endParaRPr lang="vi-VN" sz="3600" b="1" dirty="0">
               <a:solidFill>
                 <a:srgbClr val="000066"/>
               </a:solidFill>
@@ -4489,7 +4472,7 @@
         <p:spPr>
           <a:xfrm>
             <a:off x="0" y="5061182"/>
-            <a:ext cx="12192000" cy="830997"/>
+            <a:ext cx="12192000" cy="646331"/>
           </a:xfrm>
           <a:prstGeom prst="rect">
             <a:avLst/>
@@ -4504,14 +4487,14 @@
           <a:p>
             <a:pPr algn="ctr"/>
             <a:r>
-              <a:rPr lang="en-US" sz="4800" b="1" dirty="0">
+              <a:rPr lang="en-US" sz="3600" b="1" dirty="0">
                 <a:solidFill>
                   <a:srgbClr val="000066"/>
                 </a:solidFill>
               </a:rPr>
               <a:t>( 2 / 3 )</a:t>
             </a:r>
-            <a:endParaRPr lang="vi-VN" sz="4800" b="1" dirty="0">
+            <a:endParaRPr lang="vi-VN" sz="3600" b="1" dirty="0">
               <a:solidFill>
                 <a:srgbClr val="000066"/>
               </a:solidFill>
@@ -4646,7 +4629,7 @@
         <p:spPr>
           <a:xfrm>
             <a:off x="0" y="5061182"/>
-            <a:ext cx="12192000" cy="830997"/>
+            <a:ext cx="12192000" cy="646331"/>
           </a:xfrm>
           <a:prstGeom prst="rect">
             <a:avLst/>
@@ -4661,14 +4644,14 @@
           <a:p>
             <a:pPr algn="ctr"/>
             <a:r>
-              <a:rPr lang="en-US" sz="4800" b="1" dirty="0">
+              <a:rPr lang="en-US" sz="3600" b="1" dirty="0">
                 <a:solidFill>
                   <a:srgbClr val="000066"/>
                 </a:solidFill>
               </a:rPr>
               <a:t>( 2 / 3 )</a:t>
             </a:r>
-            <a:endParaRPr lang="vi-VN" sz="4800" b="1" dirty="0">
+            <a:endParaRPr lang="vi-VN" sz="3600" b="1" dirty="0">
               <a:solidFill>
                 <a:srgbClr val="000066"/>
               </a:solidFill>
@@ -4785,7 +4768,7 @@
         <p:spPr>
           <a:xfrm>
             <a:off x="0" y="5061182"/>
-            <a:ext cx="12192000" cy="830997"/>
+            <a:ext cx="12192000" cy="646331"/>
           </a:xfrm>
           <a:prstGeom prst="rect">
             <a:avLst/>
@@ -4800,14 +4783,14 @@
           <a:p>
             <a:pPr algn="ctr"/>
             <a:r>
-              <a:rPr lang="en-US" sz="4800" b="1" dirty="0">
+              <a:rPr lang="en-US" sz="3600" b="1" dirty="0">
                 <a:solidFill>
                   <a:srgbClr val="000066"/>
                 </a:solidFill>
               </a:rPr>
               <a:t>( 2 / 3 )</a:t>
             </a:r>
-            <a:endParaRPr lang="vi-VN" sz="4800" b="1" dirty="0">
+            <a:endParaRPr lang="vi-VN" sz="3600" b="1" dirty="0">
               <a:solidFill>
                 <a:srgbClr val="000066"/>
               </a:solidFill>
@@ -4924,7 +4907,7 @@
         <p:spPr>
           <a:xfrm>
             <a:off x="0" y="5061182"/>
-            <a:ext cx="12192000" cy="830997"/>
+            <a:ext cx="12192000" cy="646331"/>
           </a:xfrm>
           <a:prstGeom prst="rect">
             <a:avLst/>
@@ -4939,14 +4922,14 @@
           <a:p>
             <a:pPr algn="ctr"/>
             <a:r>
-              <a:rPr lang="en-US" sz="4800" b="1" dirty="0">
+              <a:rPr lang="en-US" sz="3600" b="1" dirty="0">
                 <a:solidFill>
                   <a:srgbClr val="000066"/>
                 </a:solidFill>
               </a:rPr>
               <a:t>( 2 / 3 )</a:t>
             </a:r>
-            <a:endParaRPr lang="vi-VN" sz="4800" b="1" dirty="0">
+            <a:endParaRPr lang="vi-VN" sz="3600" b="1" dirty="0">
               <a:solidFill>
                 <a:srgbClr val="000066"/>
               </a:solidFill>
